--- a/Diagramas/diagrama2.pptx
+++ b/Diagramas/diagrama2.pptx
@@ -107,6 +107,11 @@
       </a:defRPr>
     </a:lvl9pPr>
   </p:defaultTextStyle>
+  <p:extLst>
+    <p:ext uri="{EFAFB233-063F-42B5-8137-9DF3F51BA10A}">
+      <p15:sldGuideLst xmlns:p15="http://schemas.microsoft.com/office/powerpoint/2012/main"/>
+    </p:ext>
+  </p:extLst>
 </p:presentation>
 </file>
 
@@ -3823,7 +3828,7 @@
         </p:nvSpPr>
         <p:spPr>
           <a:xfrm>
-            <a:off x="4053348" y="1150374"/>
+            <a:off x="4053157" y="1139472"/>
             <a:ext cx="2384322" cy="1637071"/>
           </a:xfrm>
           <a:prstGeom prst="rect">
@@ -4086,7 +4091,7 @@
         </p:nvSpPr>
         <p:spPr>
           <a:xfrm>
-            <a:off x="6081252" y="1887794"/>
+            <a:off x="6081252" y="1814054"/>
             <a:ext cx="235974" cy="221226"/>
           </a:xfrm>
           <a:prstGeom prst="ellipse">
@@ -4138,7 +4143,7 @@
         </p:nvSpPr>
         <p:spPr>
           <a:xfrm>
-            <a:off x="6081252" y="2391140"/>
+            <a:off x="6081252" y="2317400"/>
             <a:ext cx="235974" cy="221226"/>
           </a:xfrm>
           <a:prstGeom prst="ellipse">
@@ -4445,7 +4450,7 @@
         </p:nvSpPr>
         <p:spPr>
           <a:xfrm>
-            <a:off x="5641708" y="1828802"/>
+            <a:off x="5641708" y="1755062"/>
             <a:ext cx="439544" cy="400110"/>
           </a:xfrm>
           <a:prstGeom prst="rect">
@@ -4480,7 +4485,7 @@
         </p:nvSpPr>
         <p:spPr>
           <a:xfrm>
-            <a:off x="5573580" y="2301698"/>
+            <a:off x="5630916" y="2214164"/>
             <a:ext cx="575799" cy="400110"/>
           </a:xfrm>
           <a:prstGeom prst="rect">
@@ -4515,8 +4520,8 @@
         </p:nvSpPr>
         <p:spPr>
           <a:xfrm>
-            <a:off x="6483924" y="1865345"/>
-            <a:ext cx="951721" cy="320662"/>
+            <a:off x="6483924" y="1864931"/>
+            <a:ext cx="1030382" cy="321076"/>
           </a:xfrm>
           <a:prstGeom prst="rightArrow">
             <a:avLst/>
@@ -4563,8 +4568,8 @@
         </p:nvSpPr>
         <p:spPr>
           <a:xfrm>
-            <a:off x="6508950" y="2313711"/>
-            <a:ext cx="951721" cy="320662"/>
+            <a:off x="6508950" y="2328161"/>
+            <a:ext cx="1009265" cy="306212"/>
           </a:xfrm>
           <a:prstGeom prst="rightArrow">
             <a:avLst/>
@@ -4663,7 +4668,7 @@
         </p:nvSpPr>
         <p:spPr>
           <a:xfrm>
-            <a:off x="7817481" y="3304858"/>
+            <a:off x="7962899" y="3362055"/>
             <a:ext cx="1910588" cy="400110"/>
           </a:xfrm>
           <a:prstGeom prst="rect">
@@ -5791,7 +5796,7 @@
         </p:nvSpPr>
         <p:spPr>
           <a:xfrm>
-            <a:off x="4053926" y="1946993"/>
+            <a:off x="4319416" y="1809942"/>
             <a:ext cx="1471044" cy="707886"/>
           </a:xfrm>
           <a:prstGeom prst="rect">
@@ -5987,6 +5992,197 @@
             <a:r>
               <a:rPr lang="pt-BR" sz="2000" b="1" dirty="0"/>
               <a:t>Áudio</a:t>
+            </a:r>
+          </a:p>
+        </p:txBody>
+      </p:sp>
+      <p:sp>
+        <p:nvSpPr>
+          <p:cNvPr id="2" name="Elipse 1">
+            <a:extLst>
+              <a:ext uri="{FF2B5EF4-FFF2-40B4-BE49-F238E27FC236}">
+                <a16:creationId xmlns:a16="http://schemas.microsoft.com/office/drawing/2014/main" id="{7B2D4B83-3837-AF08-7870-ABBD13D27757}"/>
+              </a:ext>
+            </a:extLst>
+          </p:cNvPr>
+          <p:cNvSpPr/>
+          <p:nvPr/>
+        </p:nvSpPr>
+        <p:spPr>
+          <a:xfrm>
+            <a:off x="5126375" y="2514525"/>
+            <a:ext cx="235974" cy="221226"/>
+          </a:xfrm>
+          <a:prstGeom prst="ellipse">
+            <a:avLst/>
+          </a:prstGeom>
+          <a:noFill/>
+          <a:ln>
+            <a:solidFill>
+              <a:schemeClr val="tx1"/>
+            </a:solidFill>
+          </a:ln>
+        </p:spPr>
+        <p:style>
+          <a:lnRef idx="2">
+            <a:schemeClr val="accent1">
+              <a:shade val="15000"/>
+            </a:schemeClr>
+          </a:lnRef>
+          <a:fillRef idx="1">
+            <a:schemeClr val="accent1"/>
+          </a:fillRef>
+          <a:effectRef idx="0">
+            <a:schemeClr val="accent1"/>
+          </a:effectRef>
+          <a:fontRef idx="minor">
+            <a:schemeClr val="lt1"/>
+          </a:fontRef>
+        </p:style>
+        <p:txBody>
+          <a:bodyPr rtlCol="0" anchor="ctr"/>
+          <a:lstStyle/>
+          <a:p>
+            <a:pPr algn="ctr"/>
+            <a:endParaRPr lang="pt-BR"/>
+          </a:p>
+        </p:txBody>
+      </p:sp>
+      <p:sp>
+        <p:nvSpPr>
+          <p:cNvPr id="3" name="Elipse 2">
+            <a:extLst>
+              <a:ext uri="{FF2B5EF4-FFF2-40B4-BE49-F238E27FC236}">
+                <a16:creationId xmlns:a16="http://schemas.microsoft.com/office/drawing/2014/main" id="{E7CC26B0-784B-769C-1678-3FB53F242763}"/>
+              </a:ext>
+            </a:extLst>
+          </p:cNvPr>
+          <p:cNvSpPr/>
+          <p:nvPr/>
+        </p:nvSpPr>
+        <p:spPr>
+          <a:xfrm>
+            <a:off x="8643476" y="2491301"/>
+            <a:ext cx="235974" cy="221226"/>
+          </a:xfrm>
+          <a:prstGeom prst="ellipse">
+            <a:avLst/>
+          </a:prstGeom>
+          <a:noFill/>
+          <a:ln>
+            <a:solidFill>
+              <a:schemeClr val="tx1"/>
+            </a:solidFill>
+          </a:ln>
+        </p:spPr>
+        <p:style>
+          <a:lnRef idx="2">
+            <a:schemeClr val="accent1">
+              <a:shade val="15000"/>
+            </a:schemeClr>
+          </a:lnRef>
+          <a:fillRef idx="1">
+            <a:schemeClr val="accent1"/>
+          </a:fillRef>
+          <a:effectRef idx="0">
+            <a:schemeClr val="accent1"/>
+          </a:effectRef>
+          <a:fontRef idx="minor">
+            <a:schemeClr val="lt1"/>
+          </a:fontRef>
+        </p:style>
+        <p:txBody>
+          <a:bodyPr rtlCol="0" anchor="ctr"/>
+          <a:lstStyle/>
+          <a:p>
+            <a:pPr algn="ctr"/>
+            <a:endParaRPr lang="pt-BR"/>
+          </a:p>
+        </p:txBody>
+      </p:sp>
+      <p:sp>
+        <p:nvSpPr>
+          <p:cNvPr id="34" name="Seta: Curva para Cima 33">
+            <a:extLst>
+              <a:ext uri="{FF2B5EF4-FFF2-40B4-BE49-F238E27FC236}">
+                <a16:creationId xmlns:a16="http://schemas.microsoft.com/office/drawing/2014/main" id="{C7538073-542B-5C56-A78B-D199D439A817}"/>
+              </a:ext>
+            </a:extLst>
+          </p:cNvPr>
+          <p:cNvSpPr/>
+          <p:nvPr/>
+        </p:nvSpPr>
+        <p:spPr>
+          <a:xfrm>
+            <a:off x="5126374" y="2756428"/>
+            <a:ext cx="3820998" cy="748938"/>
+          </a:xfrm>
+          <a:prstGeom prst="curvedUpArrow">
+            <a:avLst/>
+          </a:prstGeom>
+          <a:noFill/>
+          <a:ln w="25400"/>
+        </p:spPr>
+        <p:style>
+          <a:lnRef idx="2">
+            <a:schemeClr val="accent1">
+              <a:shade val="15000"/>
+            </a:schemeClr>
+          </a:lnRef>
+          <a:fillRef idx="1">
+            <a:schemeClr val="accent1"/>
+          </a:fillRef>
+          <a:effectRef idx="0">
+            <a:schemeClr val="accent1"/>
+          </a:effectRef>
+          <a:fontRef idx="minor">
+            <a:schemeClr val="lt1"/>
+          </a:fontRef>
+        </p:style>
+        <p:txBody>
+          <a:bodyPr rtlCol="0" anchor="ctr"/>
+          <a:lstStyle/>
+          <a:p>
+            <a:pPr algn="ctr"/>
+            <a:endParaRPr lang="pt-BR">
+              <a:solidFill>
+                <a:schemeClr val="tx1"/>
+              </a:solidFill>
+            </a:endParaRPr>
+          </a:p>
+        </p:txBody>
+      </p:sp>
+      <p:sp>
+        <p:nvSpPr>
+          <p:cNvPr id="35" name="CaixaDeTexto 34">
+            <a:extLst>
+              <a:ext uri="{FF2B5EF4-FFF2-40B4-BE49-F238E27FC236}">
+                <a16:creationId xmlns:a16="http://schemas.microsoft.com/office/drawing/2014/main" id="{55F39991-E07A-4002-CCA2-239D0CD6DB6B}"/>
+              </a:ext>
+            </a:extLst>
+          </p:cNvPr>
+          <p:cNvSpPr txBox="1"/>
+          <p:nvPr/>
+        </p:nvSpPr>
+        <p:spPr>
+          <a:xfrm>
+            <a:off x="6682811" y="3105256"/>
+            <a:ext cx="597471" cy="400110"/>
+          </a:xfrm>
+          <a:prstGeom prst="rect">
+            <a:avLst/>
+          </a:prstGeom>
+          <a:noFill/>
+        </p:spPr>
+        <p:txBody>
+          <a:bodyPr wrap="none" rtlCol="0">
+            <a:spAutoFit/>
+          </a:bodyPr>
+          <a:lstStyle/>
+          <a:p>
+            <a:r>
+              <a:rPr lang="pt-BR" sz="2000" b="1" dirty="0"/>
+              <a:t>PTT</a:t>
             </a:r>
           </a:p>
         </p:txBody>

--- a/Diagramas/diagrama2.pptx
+++ b/Diagramas/diagrama2.pptx
@@ -197,7 +197,7 @@
           <a:p>
             <a:fld id="{8584C277-B865-4BF4-927E-0729B9152B92}" type="datetimeFigureOut">
               <a:rPr lang="pt-BR" smtClean="0"/>
-              <a:t>06/08/2024</a:t>
+              <a:t>07/08/2024</a:t>
             </a:fld>
             <a:endParaRPr lang="pt-BR"/>
           </a:p>
@@ -695,7 +695,7 @@
           <a:p>
             <a:fld id="{C2FDB46F-F830-473B-9701-194C22094723}" type="datetimeFigureOut">
               <a:rPr lang="pt-BR" smtClean="0"/>
-              <a:t>06/08/2024</a:t>
+              <a:t>07/08/2024</a:t>
             </a:fld>
             <a:endParaRPr lang="pt-BR"/>
           </a:p>
@@ -893,7 +893,7 @@
           <a:p>
             <a:fld id="{C2FDB46F-F830-473B-9701-194C22094723}" type="datetimeFigureOut">
               <a:rPr lang="pt-BR" smtClean="0"/>
-              <a:t>06/08/2024</a:t>
+              <a:t>07/08/2024</a:t>
             </a:fld>
             <a:endParaRPr lang="pt-BR"/>
           </a:p>
@@ -1101,7 +1101,7 @@
           <a:p>
             <a:fld id="{C2FDB46F-F830-473B-9701-194C22094723}" type="datetimeFigureOut">
               <a:rPr lang="pt-BR" smtClean="0"/>
-              <a:t>06/08/2024</a:t>
+              <a:t>07/08/2024</a:t>
             </a:fld>
             <a:endParaRPr lang="pt-BR"/>
           </a:p>
@@ -1299,7 +1299,7 @@
           <a:p>
             <a:fld id="{C2FDB46F-F830-473B-9701-194C22094723}" type="datetimeFigureOut">
               <a:rPr lang="pt-BR" smtClean="0"/>
-              <a:t>06/08/2024</a:t>
+              <a:t>07/08/2024</a:t>
             </a:fld>
             <a:endParaRPr lang="pt-BR"/>
           </a:p>
@@ -1574,7 +1574,7 @@
           <a:p>
             <a:fld id="{C2FDB46F-F830-473B-9701-194C22094723}" type="datetimeFigureOut">
               <a:rPr lang="pt-BR" smtClean="0"/>
-              <a:t>06/08/2024</a:t>
+              <a:t>07/08/2024</a:t>
             </a:fld>
             <a:endParaRPr lang="pt-BR"/>
           </a:p>
@@ -1839,7 +1839,7 @@
           <a:p>
             <a:fld id="{C2FDB46F-F830-473B-9701-194C22094723}" type="datetimeFigureOut">
               <a:rPr lang="pt-BR" smtClean="0"/>
-              <a:t>06/08/2024</a:t>
+              <a:t>07/08/2024</a:t>
             </a:fld>
             <a:endParaRPr lang="pt-BR"/>
           </a:p>
@@ -2251,7 +2251,7 @@
           <a:p>
             <a:fld id="{C2FDB46F-F830-473B-9701-194C22094723}" type="datetimeFigureOut">
               <a:rPr lang="pt-BR" smtClean="0"/>
-              <a:t>06/08/2024</a:t>
+              <a:t>07/08/2024</a:t>
             </a:fld>
             <a:endParaRPr lang="pt-BR"/>
           </a:p>
@@ -2392,7 +2392,7 @@
           <a:p>
             <a:fld id="{C2FDB46F-F830-473B-9701-194C22094723}" type="datetimeFigureOut">
               <a:rPr lang="pt-BR" smtClean="0"/>
-              <a:t>06/08/2024</a:t>
+              <a:t>07/08/2024</a:t>
             </a:fld>
             <a:endParaRPr lang="pt-BR"/>
           </a:p>
@@ -2505,7 +2505,7 @@
           <a:p>
             <a:fld id="{C2FDB46F-F830-473B-9701-194C22094723}" type="datetimeFigureOut">
               <a:rPr lang="pt-BR" smtClean="0"/>
-              <a:t>06/08/2024</a:t>
+              <a:t>07/08/2024</a:t>
             </a:fld>
             <a:endParaRPr lang="pt-BR"/>
           </a:p>
@@ -2816,7 +2816,7 @@
           <a:p>
             <a:fld id="{C2FDB46F-F830-473B-9701-194C22094723}" type="datetimeFigureOut">
               <a:rPr lang="pt-BR" smtClean="0"/>
-              <a:t>06/08/2024</a:t>
+              <a:t>07/08/2024</a:t>
             </a:fld>
             <a:endParaRPr lang="pt-BR"/>
           </a:p>
@@ -3104,7 +3104,7 @@
           <a:p>
             <a:fld id="{C2FDB46F-F830-473B-9701-194C22094723}" type="datetimeFigureOut">
               <a:rPr lang="pt-BR" smtClean="0"/>
-              <a:t>06/08/2024</a:t>
+              <a:t>07/08/2024</a:t>
             </a:fld>
             <a:endParaRPr lang="pt-BR"/>
           </a:p>
@@ -3345,7 +3345,7 @@
           <a:p>
             <a:fld id="{C2FDB46F-F830-473B-9701-194C22094723}" type="datetimeFigureOut">
               <a:rPr lang="pt-BR" smtClean="0"/>
-              <a:t>06/08/2024</a:t>
+              <a:t>07/08/2024</a:t>
             </a:fld>
             <a:endParaRPr lang="pt-BR"/>
           </a:p>
@@ -3776,8 +3776,8 @@
         </p:nvSpPr>
         <p:spPr>
           <a:xfrm>
-            <a:off x="1224116" y="1032387"/>
-            <a:ext cx="1681316" cy="4645742"/>
+            <a:off x="1038171" y="2421773"/>
+            <a:ext cx="2161051" cy="4278572"/>
           </a:xfrm>
           <a:prstGeom prst="rect">
             <a:avLst/>
@@ -3828,8 +3828,8 @@
         </p:nvSpPr>
         <p:spPr>
           <a:xfrm>
-            <a:off x="4053157" y="1139472"/>
-            <a:ext cx="2384322" cy="1637071"/>
+            <a:off x="4097288" y="2355427"/>
+            <a:ext cx="2384322" cy="1884221"/>
           </a:xfrm>
           <a:prstGeom prst="rect">
             <a:avLst/>
@@ -3880,7 +3880,7 @@
         </p:nvSpPr>
         <p:spPr>
           <a:xfrm>
-            <a:off x="7536427" y="1150374"/>
+            <a:off x="7536427" y="2377532"/>
             <a:ext cx="2384322" cy="1637071"/>
           </a:xfrm>
           <a:prstGeom prst="rect">
@@ -3932,8 +3932,8 @@
         </p:nvSpPr>
         <p:spPr>
           <a:xfrm>
-            <a:off x="2905432" y="1755053"/>
-            <a:ext cx="1125793" cy="346587"/>
+            <a:off x="2901720" y="3155711"/>
+            <a:ext cx="1177235" cy="320236"/>
           </a:xfrm>
           <a:prstGeom prst="leftRightArrow">
             <a:avLst/>
@@ -3980,7 +3980,7 @@
         </p:nvSpPr>
         <p:spPr>
           <a:xfrm>
-            <a:off x="3097165" y="1128269"/>
+            <a:off x="3191512" y="2492299"/>
             <a:ext cx="884903" cy="707886"/>
           </a:xfrm>
           <a:prstGeom prst="rect">
@@ -4021,7 +4021,7 @@
         </p:nvSpPr>
         <p:spPr>
           <a:xfrm>
-            <a:off x="1224116" y="558553"/>
+            <a:off x="1129520" y="2042948"/>
             <a:ext cx="1681316" cy="400110"/>
           </a:xfrm>
           <a:prstGeom prst="rect">
@@ -4056,7 +4056,7 @@
         </p:nvSpPr>
         <p:spPr>
           <a:xfrm>
-            <a:off x="4925961" y="750264"/>
+            <a:off x="4592989" y="1949012"/>
             <a:ext cx="1170039" cy="400110"/>
           </a:xfrm>
           <a:prstGeom prst="rect">
@@ -4091,7 +4091,7 @@
         </p:nvSpPr>
         <p:spPr>
           <a:xfrm>
-            <a:off x="6081252" y="1814054"/>
+            <a:off x="6081252" y="3041212"/>
             <a:ext cx="235974" cy="221226"/>
           </a:xfrm>
           <a:prstGeom prst="ellipse">
@@ -4143,7 +4143,7 @@
         </p:nvSpPr>
         <p:spPr>
           <a:xfrm>
-            <a:off x="6081252" y="2317400"/>
+            <a:off x="6081252" y="3544558"/>
             <a:ext cx="235974" cy="221226"/>
           </a:xfrm>
           <a:prstGeom prst="ellipse">
@@ -4195,7 +4195,7 @@
         </p:nvSpPr>
         <p:spPr>
           <a:xfrm>
-            <a:off x="7737991" y="1852765"/>
+            <a:off x="7737991" y="3079923"/>
             <a:ext cx="235974" cy="221226"/>
           </a:xfrm>
           <a:prstGeom prst="ellipse">
@@ -4247,7 +4247,7 @@
         </p:nvSpPr>
         <p:spPr>
           <a:xfrm>
-            <a:off x="7740447" y="2363429"/>
+            <a:off x="7740447" y="3590587"/>
             <a:ext cx="235974" cy="221226"/>
           </a:xfrm>
           <a:prstGeom prst="ellipse">
@@ -4299,7 +4299,7 @@
         </p:nvSpPr>
         <p:spPr>
           <a:xfrm>
-            <a:off x="7737991" y="1371599"/>
+            <a:off x="7737991" y="2598757"/>
             <a:ext cx="235974" cy="221226"/>
           </a:xfrm>
           <a:prstGeom prst="ellipse">
@@ -4351,7 +4351,7 @@
         </p:nvSpPr>
         <p:spPr>
           <a:xfrm>
-            <a:off x="7873621" y="750264"/>
+            <a:off x="8062247" y="1945708"/>
             <a:ext cx="1474839" cy="400110"/>
           </a:xfrm>
           <a:prstGeom prst="rect">
@@ -4386,8 +4386,72 @@
         </p:nvSpPr>
         <p:spPr>
           <a:xfrm>
-            <a:off x="1474872" y="2378177"/>
-            <a:ext cx="1268296" cy="1631216"/>
+            <a:off x="1270981" y="2829335"/>
+            <a:ext cx="1471044" cy="1631216"/>
+          </a:xfrm>
+          <a:prstGeom prst="rect">
+            <a:avLst/>
+          </a:prstGeom>
+          <a:noFill/>
+        </p:spPr>
+        <p:txBody>
+          <a:bodyPr wrap="square" rtlCol="0">
+            <a:spAutoFit/>
+          </a:bodyPr>
+          <a:lstStyle/>
+          <a:p>
+            <a:r>
+              <a:rPr lang="pt-BR" sz="2000" b="1" dirty="0"/>
+              <a:t>HDSDR</a:t>
+            </a:r>
+          </a:p>
+          <a:p>
+            <a:r>
+              <a:rPr lang="pt-BR" sz="2000" b="1" dirty="0"/>
+              <a:t>        +</a:t>
+            </a:r>
+          </a:p>
+          <a:p>
+            <a:r>
+              <a:rPr lang="pt-BR" sz="2000" b="1" dirty="0"/>
+              <a:t>Omni-</a:t>
+            </a:r>
+            <a:r>
+              <a:rPr lang="pt-BR" sz="2000" b="1" dirty="0" err="1"/>
+              <a:t>Rig</a:t>
+            </a:r>
+            <a:endParaRPr lang="pt-BR" sz="2000" b="1" dirty="0"/>
+          </a:p>
+          <a:p>
+            <a:r>
+              <a:rPr lang="pt-BR" sz="2000" b="1" dirty="0"/>
+              <a:t>      ou</a:t>
+            </a:r>
+          </a:p>
+          <a:p>
+            <a:r>
+              <a:rPr lang="pt-BR" sz="2000" b="1" dirty="0"/>
+              <a:t>    DLL</a:t>
+            </a:r>
+          </a:p>
+        </p:txBody>
+      </p:sp>
+      <p:sp>
+        <p:nvSpPr>
+          <p:cNvPr id="18" name="CaixaDeTexto 17">
+            <a:extLst>
+              <a:ext uri="{FF2B5EF4-FFF2-40B4-BE49-F238E27FC236}">
+                <a16:creationId xmlns:a16="http://schemas.microsoft.com/office/drawing/2014/main" id="{342AD33B-5506-D380-AC01-792F4E7B5E81}"/>
+              </a:ext>
+            </a:extLst>
+          </p:cNvPr>
+          <p:cNvSpPr txBox="1"/>
+          <p:nvPr/>
+        </p:nvSpPr>
+        <p:spPr>
+          <a:xfrm>
+            <a:off x="5641708" y="2982220"/>
+            <a:ext cx="439544" cy="400110"/>
           </a:xfrm>
           <a:prstGeom prst="rect">
             <a:avLst/>
@@ -4402,46 +4466,17 @@
           <a:p>
             <a:r>
               <a:rPr lang="pt-BR" sz="2000" b="1" dirty="0"/>
-              <a:t>HDSDR</a:t>
-            </a:r>
-          </a:p>
-          <a:p>
-            <a:r>
-              <a:rPr lang="pt-BR" sz="2000" b="1" dirty="0"/>
-              <a:t>        +</a:t>
-            </a:r>
-          </a:p>
-          <a:p>
-            <a:r>
-              <a:rPr lang="pt-BR" sz="2000" b="1" dirty="0"/>
-              <a:t>Omni-</a:t>
-            </a:r>
-            <a:r>
-              <a:rPr lang="pt-BR" sz="2000" b="1" dirty="0" err="1"/>
-              <a:t>Rig</a:t>
-            </a:r>
-            <a:endParaRPr lang="pt-BR" sz="2000" b="1" dirty="0"/>
-          </a:p>
-          <a:p>
-            <a:r>
-              <a:rPr lang="pt-BR" sz="2000" b="1" dirty="0"/>
-              <a:t>      ou</a:t>
-            </a:r>
-          </a:p>
-          <a:p>
-            <a:r>
-              <a:rPr lang="pt-BR" sz="2000" b="1" dirty="0"/>
-              <a:t>    DLL</a:t>
-            </a:r>
-          </a:p>
-        </p:txBody>
-      </p:sp>
-      <p:sp>
-        <p:nvSpPr>
-          <p:cNvPr id="18" name="CaixaDeTexto 17">
-            <a:extLst>
-              <a:ext uri="{FF2B5EF4-FFF2-40B4-BE49-F238E27FC236}">
-                <a16:creationId xmlns:a16="http://schemas.microsoft.com/office/drawing/2014/main" id="{342AD33B-5506-D380-AC01-792F4E7B5E81}"/>
+              <a:t>0º</a:t>
+            </a:r>
+          </a:p>
+        </p:txBody>
+      </p:sp>
+      <p:sp>
+        <p:nvSpPr>
+          <p:cNvPr id="19" name="CaixaDeTexto 18">
+            <a:extLst>
+              <a:ext uri="{FF2B5EF4-FFF2-40B4-BE49-F238E27FC236}">
+                <a16:creationId xmlns:a16="http://schemas.microsoft.com/office/drawing/2014/main" id="{ABB31AC0-1AA9-0D1F-621F-32C569023A82}"/>
               </a:ext>
             </a:extLst>
           </p:cNvPr>
@@ -4450,8 +4485,8 @@
         </p:nvSpPr>
         <p:spPr>
           <a:xfrm>
-            <a:off x="5641708" y="1755062"/>
-            <a:ext cx="439544" cy="400110"/>
+            <a:off x="5512769" y="3441322"/>
+            <a:ext cx="575799" cy="400110"/>
           </a:xfrm>
           <a:prstGeom prst="rect">
             <a:avLst/>
@@ -4466,41 +4501,6 @@
           <a:p>
             <a:r>
               <a:rPr lang="pt-BR" sz="2000" b="1" dirty="0"/>
-              <a:t>0º</a:t>
-            </a:r>
-          </a:p>
-        </p:txBody>
-      </p:sp>
-      <p:sp>
-        <p:nvSpPr>
-          <p:cNvPr id="19" name="CaixaDeTexto 18">
-            <a:extLst>
-              <a:ext uri="{FF2B5EF4-FFF2-40B4-BE49-F238E27FC236}">
-                <a16:creationId xmlns:a16="http://schemas.microsoft.com/office/drawing/2014/main" id="{ABB31AC0-1AA9-0D1F-621F-32C569023A82}"/>
-              </a:ext>
-            </a:extLst>
-          </p:cNvPr>
-          <p:cNvSpPr txBox="1"/>
-          <p:nvPr/>
-        </p:nvSpPr>
-        <p:spPr>
-          <a:xfrm>
-            <a:off x="5630916" y="2214164"/>
-            <a:ext cx="575799" cy="400110"/>
-          </a:xfrm>
-          <a:prstGeom prst="rect">
-            <a:avLst/>
-          </a:prstGeom>
-          <a:noFill/>
-        </p:spPr>
-        <p:txBody>
-          <a:bodyPr wrap="none" rtlCol="0">
-            <a:spAutoFit/>
-          </a:bodyPr>
-          <a:lstStyle/>
-          <a:p>
-            <a:r>
-              <a:rPr lang="pt-BR" sz="2000" b="1" dirty="0"/>
               <a:t>90º</a:t>
             </a:r>
           </a:p>
@@ -4520,8 +4520,8 @@
         </p:nvSpPr>
         <p:spPr>
           <a:xfrm>
-            <a:off x="6483924" y="1864931"/>
-            <a:ext cx="1030382" cy="321076"/>
+            <a:off x="6483924" y="2947319"/>
+            <a:ext cx="1030382" cy="406854"/>
           </a:xfrm>
           <a:prstGeom prst="rightArrow">
             <a:avLst/>
@@ -4568,8 +4568,8 @@
         </p:nvSpPr>
         <p:spPr>
           <a:xfrm>
-            <a:off x="6508950" y="2328161"/>
-            <a:ext cx="1009265" cy="306212"/>
+            <a:off x="6508950" y="3516473"/>
+            <a:ext cx="1009265" cy="423212"/>
           </a:xfrm>
           <a:prstGeom prst="rightArrow">
             <a:avLst/>
@@ -4616,7 +4616,7 @@
         </p:nvSpPr>
         <p:spPr>
           <a:xfrm>
-            <a:off x="7556034" y="3697588"/>
+            <a:off x="7556034" y="4940512"/>
             <a:ext cx="2384322" cy="1637071"/>
           </a:xfrm>
           <a:prstGeom prst="rect">
@@ -4668,7 +4668,7 @@
         </p:nvSpPr>
         <p:spPr>
           <a:xfrm>
-            <a:off x="7962899" y="3362055"/>
+            <a:off x="7962899" y="4589213"/>
             <a:ext cx="1910588" cy="400110"/>
           </a:xfrm>
           <a:prstGeom prst="rect">
@@ -4703,8 +4703,8 @@
         </p:nvSpPr>
         <p:spPr>
           <a:xfrm>
-            <a:off x="2915264" y="4327977"/>
-            <a:ext cx="4640770" cy="400110"/>
+            <a:off x="2901720" y="5608382"/>
+            <a:ext cx="4654313" cy="346862"/>
           </a:xfrm>
           <a:prstGeom prst="leftRightArrow">
             <a:avLst/>
@@ -4751,8 +4751,8 @@
         </p:nvSpPr>
         <p:spPr>
           <a:xfrm>
-            <a:off x="4978445" y="4080939"/>
-            <a:ext cx="675185" cy="400110"/>
+            <a:off x="4527015" y="5211104"/>
+            <a:ext cx="1402948" cy="400110"/>
           </a:xfrm>
           <a:prstGeom prst="rect">
             <a:avLst/>
@@ -4767,7 +4767,7 @@
           <a:p>
             <a:r>
               <a:rPr lang="pt-BR" sz="2000" b="1" dirty="0"/>
-              <a:t>USB</a:t>
+              <a:t>USB Áudio</a:t>
             </a:r>
           </a:p>
         </p:txBody>
@@ -4786,7 +4786,7 @@
         </p:nvSpPr>
         <p:spPr>
           <a:xfrm>
-            <a:off x="9558658" y="3856118"/>
+            <a:off x="9558658" y="5083276"/>
             <a:ext cx="235974" cy="221226"/>
           </a:xfrm>
           <a:prstGeom prst="ellipse">
@@ -4838,7 +4838,7 @@
         </p:nvSpPr>
         <p:spPr>
           <a:xfrm>
-            <a:off x="9558658" y="4208314"/>
+            <a:off x="9558658" y="5435472"/>
             <a:ext cx="235974" cy="221226"/>
           </a:xfrm>
           <a:prstGeom prst="ellipse">
@@ -4890,7 +4890,7 @@
         </p:nvSpPr>
         <p:spPr>
           <a:xfrm>
-            <a:off x="9557959" y="4601044"/>
+            <a:off x="9557959" y="5828202"/>
             <a:ext cx="235974" cy="221226"/>
           </a:xfrm>
           <a:prstGeom prst="ellipse">
@@ -4942,7 +4942,7 @@
         </p:nvSpPr>
         <p:spPr>
           <a:xfrm>
-            <a:off x="9557959" y="4989692"/>
+            <a:off x="9557959" y="6216850"/>
             <a:ext cx="235974" cy="221226"/>
           </a:xfrm>
           <a:prstGeom prst="ellipse">
@@ -4994,7 +4994,7 @@
         </p:nvSpPr>
         <p:spPr>
           <a:xfrm>
-            <a:off x="8908388" y="3766676"/>
+            <a:off x="8908388" y="4993834"/>
             <a:ext cx="628698" cy="400110"/>
           </a:xfrm>
           <a:prstGeom prst="rect">
@@ -5029,7 +5029,7 @@
         </p:nvSpPr>
         <p:spPr>
           <a:xfrm>
-            <a:off x="8828436" y="4111492"/>
+            <a:off x="8828436" y="5338650"/>
             <a:ext cx="742511" cy="400110"/>
           </a:xfrm>
           <a:prstGeom prst="rect">
@@ -5064,7 +5064,7 @@
         </p:nvSpPr>
         <p:spPr>
           <a:xfrm>
-            <a:off x="8940448" y="4499713"/>
+            <a:off x="8940448" y="5726871"/>
             <a:ext cx="596638" cy="400110"/>
           </a:xfrm>
           <a:prstGeom prst="rect">
@@ -5099,7 +5099,7 @@
         </p:nvSpPr>
         <p:spPr>
           <a:xfrm>
-            <a:off x="8883541" y="4900250"/>
+            <a:off x="8883541" y="6127408"/>
             <a:ext cx="710451" cy="400110"/>
           </a:xfrm>
           <a:prstGeom prst="rect">
@@ -5134,7 +5134,7 @@
         </p:nvSpPr>
         <p:spPr>
           <a:xfrm>
-            <a:off x="9622489" y="1291509"/>
+            <a:off x="9622489" y="2518667"/>
             <a:ext cx="235974" cy="221226"/>
           </a:xfrm>
           <a:prstGeom prst="ellipse">
@@ -5186,7 +5186,7 @@
         </p:nvSpPr>
         <p:spPr>
           <a:xfrm>
-            <a:off x="9622489" y="1643705"/>
+            <a:off x="9622489" y="2870863"/>
             <a:ext cx="235974" cy="221226"/>
           </a:xfrm>
           <a:prstGeom prst="ellipse">
@@ -5238,7 +5238,7 @@
         </p:nvSpPr>
         <p:spPr>
           <a:xfrm>
-            <a:off x="9621790" y="2036435"/>
+            <a:off x="9621790" y="3263593"/>
             <a:ext cx="235974" cy="221226"/>
           </a:xfrm>
           <a:prstGeom prst="ellipse">
@@ -5290,7 +5290,7 @@
         </p:nvSpPr>
         <p:spPr>
           <a:xfrm>
-            <a:off x="9621790" y="2425083"/>
+            <a:off x="9621790" y="3652241"/>
             <a:ext cx="235974" cy="221226"/>
           </a:xfrm>
           <a:prstGeom prst="ellipse">
@@ -5342,7 +5342,7 @@
         </p:nvSpPr>
         <p:spPr>
           <a:xfrm>
-            <a:off x="8972219" y="1202067"/>
+            <a:off x="8972219" y="2429225"/>
             <a:ext cx="628698" cy="400110"/>
           </a:xfrm>
           <a:prstGeom prst="rect">
@@ -5377,7 +5377,7 @@
         </p:nvSpPr>
         <p:spPr>
           <a:xfrm>
-            <a:off x="8892267" y="1546883"/>
+            <a:off x="8892267" y="2774041"/>
             <a:ext cx="742511" cy="400110"/>
           </a:xfrm>
           <a:prstGeom prst="rect">
@@ -5412,7 +5412,7 @@
         </p:nvSpPr>
         <p:spPr>
           <a:xfrm>
-            <a:off x="9004279" y="1935104"/>
+            <a:off x="9004279" y="3162262"/>
             <a:ext cx="596638" cy="400110"/>
           </a:xfrm>
           <a:prstGeom prst="rect">
@@ -5447,7 +5447,7 @@
         </p:nvSpPr>
         <p:spPr>
           <a:xfrm>
-            <a:off x="8947372" y="2335641"/>
+            <a:off x="8947372" y="3562799"/>
             <a:ext cx="710451" cy="400110"/>
           </a:xfrm>
           <a:prstGeom prst="rect">
@@ -5482,7 +5482,7 @@
         </p:nvSpPr>
         <p:spPr>
           <a:xfrm>
-            <a:off x="7993572" y="1798352"/>
+            <a:off x="7993572" y="3025510"/>
             <a:ext cx="439544" cy="400110"/>
           </a:xfrm>
           <a:prstGeom prst="rect">
@@ -5517,7 +5517,7 @@
         </p:nvSpPr>
         <p:spPr>
           <a:xfrm>
-            <a:off x="7953998" y="2257661"/>
+            <a:off x="7953998" y="3484819"/>
             <a:ext cx="575799" cy="400110"/>
           </a:xfrm>
           <a:prstGeom prst="rect">
@@ -5534,41 +5534,6 @@
             <a:r>
               <a:rPr lang="pt-BR" sz="2000" b="1" dirty="0"/>
               <a:t>90º</a:t>
-            </a:r>
-          </a:p>
-        </p:txBody>
-      </p:sp>
-      <p:sp>
-        <p:nvSpPr>
-          <p:cNvPr id="62" name="CaixaDeTexto 61">
-            <a:extLst>
-              <a:ext uri="{FF2B5EF4-FFF2-40B4-BE49-F238E27FC236}">
-                <a16:creationId xmlns:a16="http://schemas.microsoft.com/office/drawing/2014/main" id="{FF1C5261-C6F5-2180-9D00-DBCBE1E115D0}"/>
-              </a:ext>
-            </a:extLst>
-          </p:cNvPr>
-          <p:cNvSpPr txBox="1"/>
-          <p:nvPr/>
-        </p:nvSpPr>
-        <p:spPr>
-          <a:xfrm>
-            <a:off x="7958213" y="1282157"/>
-            <a:ext cx="1015343" cy="400110"/>
-          </a:xfrm>
-          <a:prstGeom prst="rect">
-            <a:avLst/>
-          </a:prstGeom>
-          <a:noFill/>
-        </p:spPr>
-        <p:txBody>
-          <a:bodyPr wrap="none" rtlCol="0">
-            <a:spAutoFit/>
-          </a:bodyPr>
-          <a:lstStyle/>
-          <a:p>
-            <a:r>
-              <a:rPr lang="pt-BR" sz="2000" b="1" dirty="0"/>
-              <a:t>Antena</a:t>
             </a:r>
           </a:p>
         </p:txBody>
@@ -5589,7 +5554,7 @@
         </p:nvCxnSpPr>
         <p:spPr>
           <a:xfrm>
-            <a:off x="6984810" y="1482212"/>
+            <a:off x="6984810" y="2709370"/>
             <a:ext cx="739866" cy="0"/>
           </a:xfrm>
           <a:prstGeom prst="line">
@@ -5625,13 +5590,15 @@
               </a:ext>
             </a:extLst>
           </p:cNvPr>
-          <p:cNvCxnSpPr/>
+          <p:cNvCxnSpPr>
+            <a:cxnSpLocks/>
+          </p:cNvCxnSpPr>
           <p:nvPr/>
         </p:nvCxnSpPr>
         <p:spPr>
           <a:xfrm>
-            <a:off x="6984810" y="645542"/>
-            <a:ext cx="0" cy="837916"/>
+            <a:off x="6984810" y="1397541"/>
+            <a:ext cx="0" cy="1313075"/>
           </a:xfrm>
           <a:prstGeom prst="line">
             <a:avLst/>
@@ -5671,7 +5638,7 @@
         </p:nvCxnSpPr>
         <p:spPr>
           <a:xfrm>
-            <a:off x="6648559" y="391116"/>
+            <a:off x="8090999" y="387723"/>
             <a:ext cx="336251" cy="269143"/>
           </a:xfrm>
           <a:prstGeom prst="line">
@@ -5714,7 +5681,7 @@
         </p:nvCxnSpPr>
         <p:spPr>
           <a:xfrm flipV="1">
-            <a:off x="6984810" y="391116"/>
+            <a:off x="8428332" y="387722"/>
             <a:ext cx="295472" cy="269143"/>
           </a:xfrm>
           <a:prstGeom prst="line">
@@ -5755,7 +5722,7 @@
         </p:nvCxnSpPr>
         <p:spPr>
           <a:xfrm>
-            <a:off x="6648559" y="391116"/>
+            <a:off x="8081166" y="386920"/>
             <a:ext cx="631723" cy="0"/>
           </a:xfrm>
           <a:prstGeom prst="line">
@@ -5796,7 +5763,7 @@
         </p:nvSpPr>
         <p:spPr>
           <a:xfrm>
-            <a:off x="4319416" y="1809942"/>
+            <a:off x="4174885" y="3112636"/>
             <a:ext cx="1471044" cy="707886"/>
           </a:xfrm>
           <a:prstGeom prst="rect">
@@ -5837,7 +5804,7 @@
         </p:nvSpPr>
         <p:spPr>
           <a:xfrm>
-            <a:off x="9940356" y="1799580"/>
+            <a:off x="9940356" y="3026738"/>
             <a:ext cx="1917291" cy="3190112"/>
           </a:xfrm>
           <a:prstGeom prst="curvedLeftArrow">
@@ -5893,7 +5860,7 @@
         </p:nvSpPr>
         <p:spPr>
           <a:xfrm>
-            <a:off x="8084158" y="3918817"/>
+            <a:off x="8084158" y="5145975"/>
             <a:ext cx="800219" cy="400110"/>
           </a:xfrm>
           <a:prstGeom prst="rect">
@@ -5928,7 +5895,7 @@
         </p:nvSpPr>
         <p:spPr>
           <a:xfrm>
-            <a:off x="8027095" y="4661205"/>
+            <a:off x="8027095" y="5888363"/>
             <a:ext cx="1005403" cy="400110"/>
           </a:xfrm>
           <a:prstGeom prst="rect">
@@ -5963,7 +5930,7 @@
         </p:nvSpPr>
         <p:spPr>
           <a:xfrm>
-            <a:off x="10472365" y="2654879"/>
+            <a:off x="10472365" y="3882037"/>
             <a:ext cx="938077" cy="1015663"/>
           </a:xfrm>
           <a:prstGeom prst="rect">
@@ -6010,7 +5977,7 @@
         </p:nvSpPr>
         <p:spPr>
           <a:xfrm>
-            <a:off x="5126375" y="2514525"/>
+            <a:off x="5126375" y="3741683"/>
             <a:ext cx="235974" cy="221226"/>
           </a:xfrm>
           <a:prstGeom prst="ellipse">
@@ -6062,7 +6029,7 @@
         </p:nvSpPr>
         <p:spPr>
           <a:xfrm>
-            <a:off x="8643476" y="2491301"/>
+            <a:off x="8643476" y="3718459"/>
             <a:ext cx="235974" cy="221226"/>
           </a:xfrm>
           <a:prstGeom prst="ellipse">
@@ -6114,8 +6081,8 @@
         </p:nvSpPr>
         <p:spPr>
           <a:xfrm>
-            <a:off x="5126374" y="2756428"/>
-            <a:ext cx="3820998" cy="748938"/>
+            <a:off x="5136181" y="4003732"/>
+            <a:ext cx="3772208" cy="727146"/>
           </a:xfrm>
           <a:prstGeom prst="curvedUpArrow">
             <a:avLst/>
@@ -6166,8 +6133,8 @@
         </p:nvSpPr>
         <p:spPr>
           <a:xfrm>
-            <a:off x="6682811" y="3105256"/>
-            <a:ext cx="597471" cy="400110"/>
+            <a:off x="6682811" y="4332414"/>
+            <a:ext cx="883575" cy="400110"/>
           </a:xfrm>
           <a:prstGeom prst="rect">
             <a:avLst/>
@@ -6182,8 +6149,1004 @@
           <a:p>
             <a:r>
               <a:rPr lang="pt-BR" sz="2000" b="1" dirty="0"/>
-              <a:t>PTT</a:t>
-            </a:r>
+              <a:t>RX/TX</a:t>
+            </a:r>
+          </a:p>
+        </p:txBody>
+      </p:sp>
+      <p:sp>
+        <p:nvSpPr>
+          <p:cNvPr id="36" name="Elipse 35">
+            <a:extLst>
+              <a:ext uri="{FF2B5EF4-FFF2-40B4-BE49-F238E27FC236}">
+                <a16:creationId xmlns:a16="http://schemas.microsoft.com/office/drawing/2014/main" id="{844FD479-CE48-56BC-5327-C9C0C759FE5A}"/>
+              </a:ext>
+            </a:extLst>
+          </p:cNvPr>
+          <p:cNvSpPr/>
+          <p:nvPr/>
+        </p:nvSpPr>
+        <p:spPr>
+          <a:xfrm>
+            <a:off x="5394782" y="2443680"/>
+            <a:ext cx="235974" cy="221226"/>
+          </a:xfrm>
+          <a:prstGeom prst="ellipse">
+            <a:avLst/>
+          </a:prstGeom>
+          <a:noFill/>
+          <a:ln>
+            <a:solidFill>
+              <a:schemeClr val="tx1"/>
+            </a:solidFill>
+          </a:ln>
+        </p:spPr>
+        <p:style>
+          <a:lnRef idx="2">
+            <a:schemeClr val="accent1">
+              <a:shade val="15000"/>
+            </a:schemeClr>
+          </a:lnRef>
+          <a:fillRef idx="1">
+            <a:schemeClr val="accent1"/>
+          </a:fillRef>
+          <a:effectRef idx="0">
+            <a:schemeClr val="accent1"/>
+          </a:effectRef>
+          <a:fontRef idx="minor">
+            <a:schemeClr val="lt1"/>
+          </a:fontRef>
+        </p:style>
+        <p:txBody>
+          <a:bodyPr rtlCol="0" anchor="ctr"/>
+          <a:lstStyle/>
+          <a:p>
+            <a:pPr algn="ctr"/>
+            <a:endParaRPr lang="pt-BR"/>
+          </a:p>
+        </p:txBody>
+      </p:sp>
+      <p:sp>
+        <p:nvSpPr>
+          <p:cNvPr id="37" name="Retângulo 36">
+            <a:extLst>
+              <a:ext uri="{FF2B5EF4-FFF2-40B4-BE49-F238E27FC236}">
+                <a16:creationId xmlns:a16="http://schemas.microsoft.com/office/drawing/2014/main" id="{AB2606B9-D374-A0EF-F63D-A0279E24D214}"/>
+              </a:ext>
+            </a:extLst>
+          </p:cNvPr>
+          <p:cNvSpPr/>
+          <p:nvPr/>
+        </p:nvSpPr>
+        <p:spPr>
+          <a:xfrm>
+            <a:off x="5265013" y="678495"/>
+            <a:ext cx="2384322" cy="719046"/>
+          </a:xfrm>
+          <a:prstGeom prst="rect">
+            <a:avLst/>
+          </a:prstGeom>
+          <a:noFill/>
+          <a:ln w="25400">
+            <a:solidFill>
+              <a:schemeClr val="tx1"/>
+            </a:solidFill>
+          </a:ln>
+        </p:spPr>
+        <p:style>
+          <a:lnRef idx="2">
+            <a:schemeClr val="accent1">
+              <a:shade val="15000"/>
+            </a:schemeClr>
+          </a:lnRef>
+          <a:fillRef idx="1">
+            <a:schemeClr val="accent1"/>
+          </a:fillRef>
+          <a:effectRef idx="0">
+            <a:schemeClr val="accent1"/>
+          </a:effectRef>
+          <a:fontRef idx="minor">
+            <a:schemeClr val="lt1"/>
+          </a:fontRef>
+        </p:style>
+        <p:txBody>
+          <a:bodyPr rtlCol="0" anchor="ctr"/>
+          <a:lstStyle/>
+          <a:p>
+            <a:pPr algn="ctr"/>
+            <a:endParaRPr lang="pt-BR"/>
+          </a:p>
+        </p:txBody>
+      </p:sp>
+      <p:cxnSp>
+        <p:nvCxnSpPr>
+          <p:cNvPr id="39" name="Conector reto 38">
+            <a:extLst>
+              <a:ext uri="{FF2B5EF4-FFF2-40B4-BE49-F238E27FC236}">
+                <a16:creationId xmlns:a16="http://schemas.microsoft.com/office/drawing/2014/main" id="{E84F19A4-8161-0618-2F9B-9B0A0DC73244}"/>
+              </a:ext>
+            </a:extLst>
+          </p:cNvPr>
+          <p:cNvCxnSpPr>
+            <a:cxnSpLocks/>
+          </p:cNvCxnSpPr>
+          <p:nvPr/>
+        </p:nvCxnSpPr>
+        <p:spPr>
+          <a:xfrm>
+            <a:off x="7657162" y="976564"/>
+            <a:ext cx="770088" cy="0"/>
+          </a:xfrm>
+          <a:prstGeom prst="line">
+            <a:avLst/>
+          </a:prstGeom>
+          <a:ln w="38100">
+            <a:solidFill>
+              <a:schemeClr val="tx1"/>
+            </a:solidFill>
+          </a:ln>
+        </p:spPr>
+        <p:style>
+          <a:lnRef idx="2">
+            <a:schemeClr val="accent1"/>
+          </a:lnRef>
+          <a:fillRef idx="0">
+            <a:schemeClr val="accent1"/>
+          </a:fillRef>
+          <a:effectRef idx="1">
+            <a:schemeClr val="accent1"/>
+          </a:effectRef>
+          <a:fontRef idx="minor">
+            <a:schemeClr val="tx1"/>
+          </a:fontRef>
+        </p:style>
+      </p:cxnSp>
+      <p:sp>
+        <p:nvSpPr>
+          <p:cNvPr id="40" name="CaixaDeTexto 39">
+            <a:extLst>
+              <a:ext uri="{FF2B5EF4-FFF2-40B4-BE49-F238E27FC236}">
+                <a16:creationId xmlns:a16="http://schemas.microsoft.com/office/drawing/2014/main" id="{D3F0921D-01A3-ED13-4F34-012813A170A2}"/>
+              </a:ext>
+            </a:extLst>
+          </p:cNvPr>
+          <p:cNvSpPr txBox="1"/>
+          <p:nvPr/>
+        </p:nvSpPr>
+        <p:spPr>
+          <a:xfrm>
+            <a:off x="5852707" y="324453"/>
+            <a:ext cx="929037" cy="400110"/>
+          </a:xfrm>
+          <a:prstGeom prst="rect">
+            <a:avLst/>
+          </a:prstGeom>
+          <a:noFill/>
+        </p:spPr>
+        <p:txBody>
+          <a:bodyPr wrap="none" rtlCol="0">
+            <a:spAutoFit/>
+          </a:bodyPr>
+          <a:lstStyle/>
+          <a:p>
+            <a:r>
+              <a:rPr lang="pt-BR" sz="2000" b="1" dirty="0"/>
+              <a:t>Filtros</a:t>
+            </a:r>
+          </a:p>
+        </p:txBody>
+      </p:sp>
+      <p:sp>
+        <p:nvSpPr>
+          <p:cNvPr id="41" name="Elipse 40">
+            <a:extLst>
+              <a:ext uri="{FF2B5EF4-FFF2-40B4-BE49-F238E27FC236}">
+                <a16:creationId xmlns:a16="http://schemas.microsoft.com/office/drawing/2014/main" id="{753C618C-3CFB-EDF1-7AFE-43DA72189DE7}"/>
+              </a:ext>
+            </a:extLst>
+          </p:cNvPr>
+          <p:cNvSpPr/>
+          <p:nvPr/>
+        </p:nvSpPr>
+        <p:spPr>
+          <a:xfrm>
+            <a:off x="5417656" y="1125886"/>
+            <a:ext cx="235974" cy="221226"/>
+          </a:xfrm>
+          <a:prstGeom prst="ellipse">
+            <a:avLst/>
+          </a:prstGeom>
+          <a:noFill/>
+          <a:ln>
+            <a:solidFill>
+              <a:schemeClr val="tx1"/>
+            </a:solidFill>
+          </a:ln>
+        </p:spPr>
+        <p:style>
+          <a:lnRef idx="2">
+            <a:schemeClr val="accent1">
+              <a:shade val="15000"/>
+            </a:schemeClr>
+          </a:lnRef>
+          <a:fillRef idx="1">
+            <a:schemeClr val="accent1"/>
+          </a:fillRef>
+          <a:effectRef idx="0">
+            <a:schemeClr val="accent1"/>
+          </a:effectRef>
+          <a:fontRef idx="minor">
+            <a:schemeClr val="lt1"/>
+          </a:fontRef>
+        </p:style>
+        <p:txBody>
+          <a:bodyPr rtlCol="0" anchor="ctr"/>
+          <a:lstStyle/>
+          <a:p>
+            <a:pPr algn="ctr"/>
+            <a:endParaRPr lang="pt-BR"/>
+          </a:p>
+        </p:txBody>
+      </p:sp>
+      <p:cxnSp>
+        <p:nvCxnSpPr>
+          <p:cNvPr id="50" name="Conector reto 49">
+            <a:extLst>
+              <a:ext uri="{FF2B5EF4-FFF2-40B4-BE49-F238E27FC236}">
+                <a16:creationId xmlns:a16="http://schemas.microsoft.com/office/drawing/2014/main" id="{811D5894-47D2-9A9D-7580-F119056FAA8C}"/>
+              </a:ext>
+            </a:extLst>
+          </p:cNvPr>
+          <p:cNvCxnSpPr>
+            <a:cxnSpLocks/>
+          </p:cNvCxnSpPr>
+          <p:nvPr/>
+        </p:nvCxnSpPr>
+        <p:spPr>
+          <a:xfrm>
+            <a:off x="8427250" y="676084"/>
+            <a:ext cx="0" cy="300480"/>
+          </a:xfrm>
+          <a:prstGeom prst="line">
+            <a:avLst/>
+          </a:prstGeom>
+          <a:ln w="38100">
+            <a:solidFill>
+              <a:schemeClr val="tx1"/>
+            </a:solidFill>
+          </a:ln>
+        </p:spPr>
+        <p:style>
+          <a:lnRef idx="2">
+            <a:schemeClr val="accent1"/>
+          </a:lnRef>
+          <a:fillRef idx="0">
+            <a:schemeClr val="accent1"/>
+          </a:fillRef>
+          <a:effectRef idx="1">
+            <a:schemeClr val="accent1"/>
+          </a:effectRef>
+          <a:fontRef idx="minor">
+            <a:schemeClr val="tx1"/>
+          </a:fontRef>
+        </p:style>
+      </p:cxnSp>
+      <p:sp>
+        <p:nvSpPr>
+          <p:cNvPr id="54" name="Seta: para Cima 53">
+            <a:extLst>
+              <a:ext uri="{FF2B5EF4-FFF2-40B4-BE49-F238E27FC236}">
+                <a16:creationId xmlns:a16="http://schemas.microsoft.com/office/drawing/2014/main" id="{298536F9-CB5F-57E3-C85A-73665E6D0037}"/>
+              </a:ext>
+            </a:extLst>
+          </p:cNvPr>
+          <p:cNvSpPr/>
+          <p:nvPr/>
+        </p:nvSpPr>
+        <p:spPr>
+          <a:xfrm>
+            <a:off x="5344792" y="1410152"/>
+            <a:ext cx="308838" cy="945276"/>
+          </a:xfrm>
+          <a:prstGeom prst="upArrow">
+            <a:avLst/>
+          </a:prstGeom>
+          <a:noFill/>
+          <a:ln w="25400">
+            <a:solidFill>
+              <a:schemeClr val="tx1"/>
+            </a:solidFill>
+          </a:ln>
+        </p:spPr>
+        <p:style>
+          <a:lnRef idx="2">
+            <a:schemeClr val="accent1">
+              <a:shade val="15000"/>
+            </a:schemeClr>
+          </a:lnRef>
+          <a:fillRef idx="1">
+            <a:schemeClr val="accent1"/>
+          </a:fillRef>
+          <a:effectRef idx="0">
+            <a:schemeClr val="accent1"/>
+          </a:effectRef>
+          <a:fontRef idx="minor">
+            <a:schemeClr val="lt1"/>
+          </a:fontRef>
+        </p:style>
+        <p:txBody>
+          <a:bodyPr rtlCol="0" anchor="ctr"/>
+          <a:lstStyle/>
+          <a:p>
+            <a:pPr algn="ctr"/>
+            <a:endParaRPr lang="pt-BR"/>
+          </a:p>
+        </p:txBody>
+      </p:sp>
+      <p:sp>
+        <p:nvSpPr>
+          <p:cNvPr id="55" name="CaixaDeTexto 54">
+            <a:extLst>
+              <a:ext uri="{FF2B5EF4-FFF2-40B4-BE49-F238E27FC236}">
+                <a16:creationId xmlns:a16="http://schemas.microsoft.com/office/drawing/2014/main" id="{D7DE5883-278D-6DEF-08D0-82A5E21E6168}"/>
+              </a:ext>
+            </a:extLst>
+          </p:cNvPr>
+          <p:cNvSpPr txBox="1"/>
+          <p:nvPr/>
+        </p:nvSpPr>
+        <p:spPr>
+          <a:xfrm>
+            <a:off x="5630756" y="1069986"/>
+            <a:ext cx="2181756" cy="369332"/>
+          </a:xfrm>
+          <a:prstGeom prst="rect">
+            <a:avLst/>
+          </a:prstGeom>
+          <a:noFill/>
+        </p:spPr>
+        <p:txBody>
+          <a:bodyPr wrap="square" rtlCol="0">
+            <a:spAutoFit/>
+          </a:bodyPr>
+          <a:lstStyle/>
+          <a:p>
+            <a:r>
+              <a:rPr lang="pt-BR" b="1" dirty="0"/>
+              <a:t>Seleção de filtros</a:t>
+            </a:r>
+          </a:p>
+        </p:txBody>
+      </p:sp>
+      <p:sp>
+        <p:nvSpPr>
+          <p:cNvPr id="59" name="CaixaDeTexto 58">
+            <a:extLst>
+              <a:ext uri="{FF2B5EF4-FFF2-40B4-BE49-F238E27FC236}">
+                <a16:creationId xmlns:a16="http://schemas.microsoft.com/office/drawing/2014/main" id="{651D24C1-5718-B609-6640-D055989DB7D8}"/>
+              </a:ext>
+            </a:extLst>
+          </p:cNvPr>
+          <p:cNvSpPr txBox="1"/>
+          <p:nvPr/>
+        </p:nvSpPr>
+        <p:spPr>
+          <a:xfrm>
+            <a:off x="7835667" y="990160"/>
+            <a:ext cx="1015343" cy="400110"/>
+          </a:xfrm>
+          <a:prstGeom prst="rect">
+            <a:avLst/>
+          </a:prstGeom>
+          <a:noFill/>
+        </p:spPr>
+        <p:txBody>
+          <a:bodyPr wrap="none" rtlCol="0">
+            <a:spAutoFit/>
+          </a:bodyPr>
+          <a:lstStyle/>
+          <a:p>
+            <a:r>
+              <a:rPr lang="pt-BR" sz="2000" b="1" dirty="0"/>
+              <a:t>Antena</a:t>
+            </a:r>
+          </a:p>
+        </p:txBody>
+      </p:sp>
+      <p:sp>
+        <p:nvSpPr>
+          <p:cNvPr id="63" name="Retângulo 62">
+            <a:extLst>
+              <a:ext uri="{FF2B5EF4-FFF2-40B4-BE49-F238E27FC236}">
+                <a16:creationId xmlns:a16="http://schemas.microsoft.com/office/drawing/2014/main" id="{DDDFDD75-C103-76C1-F579-BA7299EDCC04}"/>
+              </a:ext>
+            </a:extLst>
+          </p:cNvPr>
+          <p:cNvSpPr/>
+          <p:nvPr/>
+        </p:nvSpPr>
+        <p:spPr>
+          <a:xfrm>
+            <a:off x="1242550" y="2758459"/>
+            <a:ext cx="1294912" cy="1689408"/>
+          </a:xfrm>
+          <a:prstGeom prst="rect">
+            <a:avLst/>
+          </a:prstGeom>
+          <a:noFill/>
+          <a:ln w="25400">
+            <a:solidFill>
+              <a:schemeClr val="tx1"/>
+            </a:solidFill>
+          </a:ln>
+        </p:spPr>
+        <p:style>
+          <a:lnRef idx="2">
+            <a:schemeClr val="accent1">
+              <a:shade val="15000"/>
+            </a:schemeClr>
+          </a:lnRef>
+          <a:fillRef idx="1">
+            <a:schemeClr val="accent1"/>
+          </a:fillRef>
+          <a:effectRef idx="0">
+            <a:schemeClr val="accent1"/>
+          </a:effectRef>
+          <a:fontRef idx="minor">
+            <a:schemeClr val="lt1"/>
+          </a:fontRef>
+        </p:style>
+        <p:txBody>
+          <a:bodyPr rtlCol="0" anchor="ctr"/>
+          <a:lstStyle/>
+          <a:p>
+            <a:pPr algn="ctr"/>
+            <a:endParaRPr lang="pt-BR"/>
+          </a:p>
+        </p:txBody>
+      </p:sp>
+      <p:sp>
+        <p:nvSpPr>
+          <p:cNvPr id="64" name="CaixaDeTexto 63">
+            <a:extLst>
+              <a:ext uri="{FF2B5EF4-FFF2-40B4-BE49-F238E27FC236}">
+                <a16:creationId xmlns:a16="http://schemas.microsoft.com/office/drawing/2014/main" id="{F6CF7F29-2B13-8A49-E419-263DFFE14826}"/>
+              </a:ext>
+            </a:extLst>
+          </p:cNvPr>
+          <p:cNvSpPr txBox="1"/>
+          <p:nvPr/>
+        </p:nvSpPr>
+        <p:spPr>
+          <a:xfrm>
+            <a:off x="7973965" y="2490228"/>
+            <a:ext cx="898066" cy="400110"/>
+          </a:xfrm>
+          <a:prstGeom prst="rect">
+            <a:avLst/>
+          </a:prstGeom>
+          <a:noFill/>
+        </p:spPr>
+        <p:txBody>
+          <a:bodyPr wrap="none" rtlCol="0">
+            <a:spAutoFit/>
+          </a:bodyPr>
+          <a:lstStyle/>
+          <a:p>
+            <a:r>
+              <a:rPr lang="pt-BR" sz="2000" b="1" dirty="0"/>
+              <a:t>RF I/O</a:t>
+            </a:r>
+          </a:p>
+        </p:txBody>
+      </p:sp>
+      <p:pic>
+        <p:nvPicPr>
+          <p:cNvPr id="67" name="Imagem 66" descr="Ícone&#10;&#10;Descrição gerada automaticamente">
+            <a:extLst>
+              <a:ext uri="{FF2B5EF4-FFF2-40B4-BE49-F238E27FC236}">
+                <a16:creationId xmlns:a16="http://schemas.microsoft.com/office/drawing/2014/main" id="{25DC76B7-0ACA-4371-9074-CD45E0763F72}"/>
+              </a:ext>
+            </a:extLst>
+          </p:cNvPr>
+          <p:cNvPicPr>
+            <a:picLocks noChangeAspect="1"/>
+          </p:cNvPicPr>
+          <p:nvPr/>
+        </p:nvPicPr>
+        <p:blipFill>
+          <a:blip r:embed="rId3">
+            <a:extLst>
+              <a:ext uri="{28A0092B-C50C-407E-A947-70E740481C1C}">
+                <a14:useLocalDpi xmlns:a14="http://schemas.microsoft.com/office/drawing/2010/main" val="0"/>
+              </a:ext>
+            </a:extLst>
+          </a:blip>
+          <a:stretch>
+            <a:fillRect/>
+          </a:stretch>
+        </p:blipFill>
+        <p:spPr>
+          <a:xfrm>
+            <a:off x="63032" y="4897165"/>
+            <a:ext cx="784413" cy="784413"/>
+          </a:xfrm>
+          <a:prstGeom prst="rect">
+            <a:avLst/>
+          </a:prstGeom>
+        </p:spPr>
+      </p:pic>
+      <p:pic>
+        <p:nvPicPr>
+          <p:cNvPr id="69" name="Imagem 68" descr="Forma&#10;&#10;Descrição gerada automaticamente com confiança baixa">
+            <a:extLst>
+              <a:ext uri="{FF2B5EF4-FFF2-40B4-BE49-F238E27FC236}">
+                <a16:creationId xmlns:a16="http://schemas.microsoft.com/office/drawing/2014/main" id="{5CA770ED-F297-349B-059C-E1E85AFD25BC}"/>
+              </a:ext>
+            </a:extLst>
+          </p:cNvPr>
+          <p:cNvPicPr>
+            <a:picLocks noChangeAspect="1"/>
+          </p:cNvPicPr>
+          <p:nvPr/>
+        </p:nvPicPr>
+        <p:blipFill>
+          <a:blip r:embed="rId4">
+            <a:extLst>
+              <a:ext uri="{28A0092B-C50C-407E-A947-70E740481C1C}">
+                <a14:useLocalDpi xmlns:a14="http://schemas.microsoft.com/office/drawing/2010/main" val="0"/>
+              </a:ext>
+            </a:extLst>
+          </a:blip>
+          <a:stretch>
+            <a:fillRect/>
+          </a:stretch>
+        </p:blipFill>
+        <p:spPr>
+          <a:xfrm flipH="1">
+            <a:off x="238536" y="5794623"/>
+            <a:ext cx="419923" cy="419923"/>
+          </a:xfrm>
+          <a:prstGeom prst="rect">
+            <a:avLst/>
+          </a:prstGeom>
+        </p:spPr>
+      </p:pic>
+      <p:sp>
+        <p:nvSpPr>
+          <p:cNvPr id="70" name="Retângulo 69">
+            <a:extLst>
+              <a:ext uri="{FF2B5EF4-FFF2-40B4-BE49-F238E27FC236}">
+                <a16:creationId xmlns:a16="http://schemas.microsoft.com/office/drawing/2014/main" id="{4CAC67C5-43C3-E969-2F17-754F163BF215}"/>
+              </a:ext>
+            </a:extLst>
+          </p:cNvPr>
+          <p:cNvSpPr/>
+          <p:nvPr/>
+        </p:nvSpPr>
+        <p:spPr>
+          <a:xfrm>
+            <a:off x="1408663" y="4978460"/>
+            <a:ext cx="1094750" cy="1499205"/>
+          </a:xfrm>
+          <a:prstGeom prst="rect">
+            <a:avLst/>
+          </a:prstGeom>
+          <a:noFill/>
+          <a:ln w="25400">
+            <a:solidFill>
+              <a:schemeClr val="tx1"/>
+            </a:solidFill>
+          </a:ln>
+        </p:spPr>
+        <p:style>
+          <a:lnRef idx="2">
+            <a:schemeClr val="accent1">
+              <a:shade val="15000"/>
+            </a:schemeClr>
+          </a:lnRef>
+          <a:fillRef idx="1">
+            <a:schemeClr val="accent1"/>
+          </a:fillRef>
+          <a:effectRef idx="0">
+            <a:schemeClr val="accent1"/>
+          </a:effectRef>
+          <a:fontRef idx="minor">
+            <a:schemeClr val="lt1"/>
+          </a:fontRef>
+        </p:style>
+        <p:txBody>
+          <a:bodyPr rtlCol="0" anchor="ctr"/>
+          <a:lstStyle/>
+          <a:p>
+            <a:pPr algn="ctr"/>
+            <a:endParaRPr lang="pt-BR"/>
+          </a:p>
+        </p:txBody>
+      </p:sp>
+      <p:sp>
+        <p:nvSpPr>
+          <p:cNvPr id="72" name="CaixaDeTexto 71">
+            <a:extLst>
+              <a:ext uri="{FF2B5EF4-FFF2-40B4-BE49-F238E27FC236}">
+                <a16:creationId xmlns:a16="http://schemas.microsoft.com/office/drawing/2014/main" id="{332C26F0-DB31-9CB7-D7E0-D81BB1A3495B}"/>
+              </a:ext>
+            </a:extLst>
+          </p:cNvPr>
+          <p:cNvSpPr txBox="1"/>
+          <p:nvPr/>
+        </p:nvSpPr>
+        <p:spPr>
+          <a:xfrm>
+            <a:off x="1483009" y="5065511"/>
+            <a:ext cx="1026563" cy="1323439"/>
+          </a:xfrm>
+          <a:prstGeom prst="rect">
+            <a:avLst/>
+          </a:prstGeom>
+          <a:noFill/>
+        </p:spPr>
+        <p:txBody>
+          <a:bodyPr wrap="none" rtlCol="0">
+            <a:spAutoFit/>
+          </a:bodyPr>
+          <a:lstStyle/>
+          <a:p>
+            <a:r>
+              <a:rPr lang="pt-BR" sz="2000" b="1" dirty="0"/>
+              <a:t>Placa</a:t>
+            </a:r>
+          </a:p>
+          <a:p>
+            <a:r>
+              <a:rPr lang="pt-BR" sz="2000" b="1" dirty="0"/>
+              <a:t>   de</a:t>
+            </a:r>
+          </a:p>
+          <a:p>
+            <a:r>
+              <a:rPr lang="pt-BR" sz="2000" b="1" dirty="0"/>
+              <a:t>Áudio</a:t>
+            </a:r>
+          </a:p>
+          <a:p>
+            <a:r>
+              <a:rPr lang="pt-BR" sz="2000" b="1" dirty="0"/>
+              <a:t>Interna</a:t>
+            </a:r>
+          </a:p>
+        </p:txBody>
+      </p:sp>
+      <p:sp>
+        <p:nvSpPr>
+          <p:cNvPr id="74" name="Seta: para a Direita 73">
+            <a:extLst>
+              <a:ext uri="{FF2B5EF4-FFF2-40B4-BE49-F238E27FC236}">
+                <a16:creationId xmlns:a16="http://schemas.microsoft.com/office/drawing/2014/main" id="{9A1E5A66-1525-426A-923B-BA5D1DD809CE}"/>
+              </a:ext>
+            </a:extLst>
+          </p:cNvPr>
+          <p:cNvSpPr/>
+          <p:nvPr/>
+        </p:nvSpPr>
+        <p:spPr>
+          <a:xfrm>
+            <a:off x="653848" y="5114176"/>
+            <a:ext cx="730803" cy="393418"/>
+          </a:xfrm>
+          <a:prstGeom prst="rightArrow">
+            <a:avLst/>
+          </a:prstGeom>
+          <a:noFill/>
+          <a:ln w="25400"/>
+        </p:spPr>
+        <p:style>
+          <a:lnRef idx="2">
+            <a:schemeClr val="accent1">
+              <a:shade val="15000"/>
+            </a:schemeClr>
+          </a:lnRef>
+          <a:fillRef idx="1">
+            <a:schemeClr val="accent1"/>
+          </a:fillRef>
+          <a:effectRef idx="0">
+            <a:schemeClr val="accent1"/>
+          </a:effectRef>
+          <a:fontRef idx="minor">
+            <a:schemeClr val="lt1"/>
+          </a:fontRef>
+        </p:style>
+        <p:txBody>
+          <a:bodyPr rtlCol="0" anchor="ctr"/>
+          <a:lstStyle/>
+          <a:p>
+            <a:pPr algn="ctr"/>
+            <a:endParaRPr lang="pt-BR"/>
+          </a:p>
+        </p:txBody>
+      </p:sp>
+      <p:sp>
+        <p:nvSpPr>
+          <p:cNvPr id="76" name="Seta: para a Direita 75">
+            <a:extLst>
+              <a:ext uri="{FF2B5EF4-FFF2-40B4-BE49-F238E27FC236}">
+                <a16:creationId xmlns:a16="http://schemas.microsoft.com/office/drawing/2014/main" id="{FE6433E0-0E00-37C4-D651-BC01E2122CE4}"/>
+              </a:ext>
+            </a:extLst>
+          </p:cNvPr>
+          <p:cNvSpPr/>
+          <p:nvPr/>
+        </p:nvSpPr>
+        <p:spPr>
+          <a:xfrm rot="10800000">
+            <a:off x="614286" y="5816721"/>
+            <a:ext cx="775013" cy="393418"/>
+          </a:xfrm>
+          <a:prstGeom prst="rightArrow">
+            <a:avLst/>
+          </a:prstGeom>
+          <a:noFill/>
+          <a:ln w="25400"/>
+        </p:spPr>
+        <p:style>
+          <a:lnRef idx="2">
+            <a:schemeClr val="accent1">
+              <a:shade val="15000"/>
+            </a:schemeClr>
+          </a:lnRef>
+          <a:fillRef idx="1">
+            <a:schemeClr val="accent1"/>
+          </a:fillRef>
+          <a:effectRef idx="0">
+            <a:schemeClr val="accent1"/>
+          </a:effectRef>
+          <a:fontRef idx="minor">
+            <a:schemeClr val="lt1"/>
+          </a:fontRef>
+        </p:style>
+        <p:txBody>
+          <a:bodyPr rtlCol="0" anchor="ctr"/>
+          <a:lstStyle/>
+          <a:p>
+            <a:pPr algn="ctr"/>
+            <a:endParaRPr lang="pt-BR"/>
+          </a:p>
+        </p:txBody>
+      </p:sp>
+      <p:sp>
+        <p:nvSpPr>
+          <p:cNvPr id="86" name="Retângulo 85">
+            <a:extLst>
+              <a:ext uri="{FF2B5EF4-FFF2-40B4-BE49-F238E27FC236}">
+                <a16:creationId xmlns:a16="http://schemas.microsoft.com/office/drawing/2014/main" id="{A19DDC4F-9EDA-0B92-7BC8-FABE106E482D}"/>
+              </a:ext>
+            </a:extLst>
+          </p:cNvPr>
+          <p:cNvSpPr/>
+          <p:nvPr/>
+        </p:nvSpPr>
+        <p:spPr>
+          <a:xfrm>
+            <a:off x="2792671" y="3060862"/>
+            <a:ext cx="78936" cy="2877953"/>
+          </a:xfrm>
+          <a:prstGeom prst="rect">
+            <a:avLst/>
+          </a:prstGeom>
+          <a:solidFill>
+            <a:schemeClr val="tx1"/>
+          </a:solidFill>
+          <a:ln w="25400"/>
+        </p:spPr>
+        <p:style>
+          <a:lnRef idx="2">
+            <a:schemeClr val="accent1">
+              <a:shade val="15000"/>
+            </a:schemeClr>
+          </a:lnRef>
+          <a:fillRef idx="1">
+            <a:schemeClr val="accent1"/>
+          </a:fillRef>
+          <a:effectRef idx="0">
+            <a:schemeClr val="accent1"/>
+          </a:effectRef>
+          <a:fontRef idx="minor">
+            <a:schemeClr val="lt1"/>
+          </a:fontRef>
+        </p:style>
+        <p:txBody>
+          <a:bodyPr rtlCol="0" anchor="ctr"/>
+          <a:lstStyle/>
+          <a:p>
+            <a:pPr algn="ctr"/>
+            <a:endParaRPr lang="pt-BR"/>
+          </a:p>
+        </p:txBody>
+      </p:sp>
+      <p:sp>
+        <p:nvSpPr>
+          <p:cNvPr id="87" name="Seta: da Esquerda para a Direita 86">
+            <a:extLst>
+              <a:ext uri="{FF2B5EF4-FFF2-40B4-BE49-F238E27FC236}">
+                <a16:creationId xmlns:a16="http://schemas.microsoft.com/office/drawing/2014/main" id="{B820F3DF-EDBE-3779-8D09-D9CEF9473068}"/>
+              </a:ext>
+            </a:extLst>
+          </p:cNvPr>
+          <p:cNvSpPr/>
+          <p:nvPr/>
+        </p:nvSpPr>
+        <p:spPr>
+          <a:xfrm>
+            <a:off x="2206992" y="3882037"/>
+            <a:ext cx="603843" cy="312322"/>
+          </a:xfrm>
+          <a:prstGeom prst="leftRightArrow">
+            <a:avLst/>
+          </a:prstGeom>
+          <a:noFill/>
+          <a:ln w="25400"/>
+        </p:spPr>
+        <p:style>
+          <a:lnRef idx="2">
+            <a:schemeClr val="accent1">
+              <a:shade val="15000"/>
+            </a:schemeClr>
+          </a:lnRef>
+          <a:fillRef idx="1">
+            <a:schemeClr val="accent1"/>
+          </a:fillRef>
+          <a:effectRef idx="0">
+            <a:schemeClr val="accent1"/>
+          </a:effectRef>
+          <a:fontRef idx="minor">
+            <a:schemeClr val="lt1"/>
+          </a:fontRef>
+        </p:style>
+        <p:txBody>
+          <a:bodyPr rtlCol="0" anchor="ctr"/>
+          <a:lstStyle/>
+          <a:p>
+            <a:pPr algn="ctr"/>
+            <a:endParaRPr lang="pt-BR"/>
+          </a:p>
+        </p:txBody>
+      </p:sp>
+      <p:sp>
+        <p:nvSpPr>
+          <p:cNvPr id="88" name="Seta: de Cima para Baixo 87">
+            <a:extLst>
+              <a:ext uri="{FF2B5EF4-FFF2-40B4-BE49-F238E27FC236}">
+                <a16:creationId xmlns:a16="http://schemas.microsoft.com/office/drawing/2014/main" id="{D467B800-D0B6-44B5-CD3B-BAE0275619A7}"/>
+              </a:ext>
+            </a:extLst>
+          </p:cNvPr>
+          <p:cNvSpPr/>
+          <p:nvPr/>
+        </p:nvSpPr>
+        <p:spPr>
+          <a:xfrm>
+            <a:off x="1750821" y="4481684"/>
+            <a:ext cx="314461" cy="495111"/>
+          </a:xfrm>
+          <a:prstGeom prst="upDownArrow">
+            <a:avLst/>
+          </a:prstGeom>
+          <a:noFill/>
+          <a:ln w="25400">
+            <a:solidFill>
+              <a:schemeClr val="tx1"/>
+            </a:solidFill>
+          </a:ln>
+        </p:spPr>
+        <p:style>
+          <a:lnRef idx="2">
+            <a:schemeClr val="accent1">
+              <a:shade val="15000"/>
+            </a:schemeClr>
+          </a:lnRef>
+          <a:fillRef idx="1">
+            <a:schemeClr val="accent1"/>
+          </a:fillRef>
+          <a:effectRef idx="0">
+            <a:schemeClr val="accent1"/>
+          </a:effectRef>
+          <a:fontRef idx="minor">
+            <a:schemeClr val="lt1"/>
+          </a:fontRef>
+        </p:style>
+        <p:txBody>
+          <a:bodyPr rtlCol="0" anchor="ctr"/>
+          <a:lstStyle/>
+          <a:p>
+            <a:pPr algn="ctr"/>
+            <a:endParaRPr lang="pt-BR"/>
+          </a:p>
+        </p:txBody>
+      </p:sp>
+      <p:sp>
+        <p:nvSpPr>
+          <p:cNvPr id="89" name="CaixaDeTexto 88">
+            <a:extLst>
+              <a:ext uri="{FF2B5EF4-FFF2-40B4-BE49-F238E27FC236}">
+                <a16:creationId xmlns:a16="http://schemas.microsoft.com/office/drawing/2014/main" id="{96785FFE-D475-3FFD-6F34-8D4544CC49A5}"/>
+              </a:ext>
+            </a:extLst>
+          </p:cNvPr>
+          <p:cNvSpPr txBox="1"/>
+          <p:nvPr/>
+        </p:nvSpPr>
+        <p:spPr>
+          <a:xfrm>
+            <a:off x="3164868" y="3409086"/>
+            <a:ext cx="756938" cy="400110"/>
+          </a:xfrm>
+          <a:prstGeom prst="rect">
+            <a:avLst/>
+          </a:prstGeom>
+          <a:noFill/>
+        </p:spPr>
+        <p:txBody>
+          <a:bodyPr wrap="none" rtlCol="0">
+            <a:spAutoFit/>
+          </a:bodyPr>
+          <a:lstStyle/>
+          <a:p>
+            <a:r>
+              <a:rPr lang="pt-BR" sz="2000" b="1" dirty="0"/>
+              <a:t>CMD</a:t>
+            </a:r>
+          </a:p>
+        </p:txBody>
+      </p:sp>
+      <p:sp>
+        <p:nvSpPr>
+          <p:cNvPr id="90" name="Elipse 89">
+            <a:extLst>
+              <a:ext uri="{FF2B5EF4-FFF2-40B4-BE49-F238E27FC236}">
+                <a16:creationId xmlns:a16="http://schemas.microsoft.com/office/drawing/2014/main" id="{B1B5B6AB-BD70-BD39-40E8-820E9D044425}"/>
+              </a:ext>
+            </a:extLst>
+          </p:cNvPr>
+          <p:cNvSpPr/>
+          <p:nvPr/>
+        </p:nvSpPr>
+        <p:spPr>
+          <a:xfrm>
+            <a:off x="4152405" y="3174909"/>
+            <a:ext cx="235974" cy="221226"/>
+          </a:xfrm>
+          <a:prstGeom prst="ellipse">
+            <a:avLst/>
+          </a:prstGeom>
+          <a:noFill/>
+          <a:ln>
+            <a:solidFill>
+              <a:schemeClr val="tx1"/>
+            </a:solidFill>
+          </a:ln>
+        </p:spPr>
+        <p:style>
+          <a:lnRef idx="2">
+            <a:schemeClr val="accent1">
+              <a:shade val="15000"/>
+            </a:schemeClr>
+          </a:lnRef>
+          <a:fillRef idx="1">
+            <a:schemeClr val="accent1"/>
+          </a:fillRef>
+          <a:effectRef idx="0">
+            <a:schemeClr val="accent1"/>
+          </a:effectRef>
+          <a:fontRef idx="minor">
+            <a:schemeClr val="lt1"/>
+          </a:fontRef>
+        </p:style>
+        <p:txBody>
+          <a:bodyPr rtlCol="0" anchor="ctr"/>
+          <a:lstStyle/>
+          <a:p>
+            <a:pPr algn="ctr"/>
+            <a:endParaRPr lang="pt-BR"/>
           </a:p>
         </p:txBody>
       </p:sp>

--- a/Diagramas/diagrama2.pptx
+++ b/Diagramas/diagrama2.pptx
@@ -11,7 +11,7 @@
     <p:sldId id="256" r:id="rId2"/>
   </p:sldIdLst>
   <p:sldSz cx="12192000" cy="6858000"/>
-  <p:notesSz cx="6858000" cy="9144000"/>
+  <p:notesSz cx="7104063" cy="10234613"/>
   <p:defaultTextStyle>
     <a:defPPr>
       <a:defRPr lang="pt-BR"/>
@@ -150,17 +150,17 @@
         <p:spPr>
           <a:xfrm>
             <a:off x="0" y="0"/>
-            <a:ext cx="2971800" cy="458788"/>
+            <a:ext cx="3078427" cy="513508"/>
           </a:xfrm>
           <a:prstGeom prst="rect">
             <a:avLst/>
           </a:prstGeom>
         </p:spPr>
         <p:txBody>
-          <a:bodyPr vert="horz" lIns="91440" tIns="45720" rIns="91440" bIns="45720" rtlCol="0"/>
+          <a:bodyPr vert="horz" lIns="99075" tIns="49538" rIns="99075" bIns="49538" rtlCol="0"/>
           <a:lstStyle>
             <a:lvl1pPr algn="l">
-              <a:defRPr sz="1200"/>
+              <a:defRPr sz="1300"/>
             </a:lvl1pPr>
           </a:lstStyle>
           <a:p>
@@ -180,18 +180,18 @@
         </p:nvSpPr>
         <p:spPr>
           <a:xfrm>
-            <a:off x="3884613" y="0"/>
-            <a:ext cx="2971800" cy="458788"/>
+            <a:off x="4023992" y="0"/>
+            <a:ext cx="3078427" cy="513508"/>
           </a:xfrm>
           <a:prstGeom prst="rect">
             <a:avLst/>
           </a:prstGeom>
         </p:spPr>
         <p:txBody>
-          <a:bodyPr vert="horz" lIns="91440" tIns="45720" rIns="91440" bIns="45720" rtlCol="0"/>
+          <a:bodyPr vert="horz" lIns="99075" tIns="49538" rIns="99075" bIns="49538" rtlCol="0"/>
           <a:lstStyle>
             <a:lvl1pPr algn="r">
-              <a:defRPr sz="1200"/>
+              <a:defRPr sz="1300"/>
             </a:lvl1pPr>
           </a:lstStyle>
           <a:p>
@@ -215,8 +215,8 @@
         </p:nvSpPr>
         <p:spPr>
           <a:xfrm>
-            <a:off x="685800" y="1143000"/>
-            <a:ext cx="5486400" cy="3086100"/>
+            <a:off x="482600" y="1279525"/>
+            <a:ext cx="6140450" cy="3454400"/>
           </a:xfrm>
           <a:prstGeom prst="rect">
             <a:avLst/>
@@ -229,7 +229,7 @@
           </a:ln>
         </p:spPr>
         <p:txBody>
-          <a:bodyPr vert="horz" lIns="91440" tIns="45720" rIns="91440" bIns="45720" rtlCol="0" anchor="ctr"/>
+          <a:bodyPr vert="horz" lIns="99075" tIns="49538" rIns="99075" bIns="49538" rtlCol="0" anchor="ctr"/>
           <a:lstStyle/>
           <a:p>
             <a:endParaRPr lang="pt-BR"/>
@@ -248,15 +248,15 @@
         </p:nvSpPr>
         <p:spPr>
           <a:xfrm>
-            <a:off x="685800" y="4400550"/>
-            <a:ext cx="5486400" cy="3600450"/>
+            <a:off x="710407" y="4925407"/>
+            <a:ext cx="5683250" cy="4029879"/>
           </a:xfrm>
           <a:prstGeom prst="rect">
             <a:avLst/>
           </a:prstGeom>
         </p:spPr>
         <p:txBody>
-          <a:bodyPr vert="horz" lIns="91440" tIns="45720" rIns="91440" bIns="45720" rtlCol="0"/>
+          <a:bodyPr vert="horz" lIns="99075" tIns="49538" rIns="99075" bIns="49538" rtlCol="0"/>
           <a:lstStyle/>
           <a:p>
             <a:pPr lvl="0"/>
@@ -307,18 +307,18 @@
         </p:nvSpPr>
         <p:spPr>
           <a:xfrm>
-            <a:off x="0" y="8685213"/>
-            <a:ext cx="2971800" cy="458787"/>
+            <a:off x="0" y="9721107"/>
+            <a:ext cx="3078427" cy="513507"/>
           </a:xfrm>
           <a:prstGeom prst="rect">
             <a:avLst/>
           </a:prstGeom>
         </p:spPr>
         <p:txBody>
-          <a:bodyPr vert="horz" lIns="91440" tIns="45720" rIns="91440" bIns="45720" rtlCol="0" anchor="b"/>
+          <a:bodyPr vert="horz" lIns="99075" tIns="49538" rIns="99075" bIns="49538" rtlCol="0" anchor="b"/>
           <a:lstStyle>
             <a:lvl1pPr algn="l">
-              <a:defRPr sz="1200"/>
+              <a:defRPr sz="1300"/>
             </a:lvl1pPr>
           </a:lstStyle>
           <a:p>
@@ -338,18 +338,18 @@
         </p:nvSpPr>
         <p:spPr>
           <a:xfrm>
-            <a:off x="3884613" y="8685213"/>
-            <a:ext cx="2971800" cy="458787"/>
+            <a:off x="4023992" y="9721107"/>
+            <a:ext cx="3078427" cy="513507"/>
           </a:xfrm>
           <a:prstGeom prst="rect">
             <a:avLst/>
           </a:prstGeom>
         </p:spPr>
         <p:txBody>
-          <a:bodyPr vert="horz" lIns="91440" tIns="45720" rIns="91440" bIns="45720" rtlCol="0" anchor="b"/>
+          <a:bodyPr vert="horz" lIns="99075" tIns="49538" rIns="99075" bIns="49538" rtlCol="0" anchor="b"/>
           <a:lstStyle>
             <a:lvl1pPr algn="r">
-              <a:defRPr sz="1200"/>
+              <a:defRPr sz="1300"/>
             </a:lvl1pPr>
           </a:lstStyle>
           <a:p>
@@ -5540,92 +5540,6 @@
       </p:sp>
       <p:cxnSp>
         <p:nvCxnSpPr>
-          <p:cNvPr id="66" name="Conector reto 65">
-            <a:extLst>
-              <a:ext uri="{FF2B5EF4-FFF2-40B4-BE49-F238E27FC236}">
-                <a16:creationId xmlns:a16="http://schemas.microsoft.com/office/drawing/2014/main" id="{2C975EB1-3A0A-445B-853F-446220898348}"/>
-              </a:ext>
-            </a:extLst>
-          </p:cNvPr>
-          <p:cNvCxnSpPr>
-            <a:cxnSpLocks/>
-          </p:cNvCxnSpPr>
-          <p:nvPr/>
-        </p:nvCxnSpPr>
-        <p:spPr>
-          <a:xfrm>
-            <a:off x="6984810" y="2709370"/>
-            <a:ext cx="739866" cy="0"/>
-          </a:xfrm>
-          <a:prstGeom prst="line">
-            <a:avLst/>
-          </a:prstGeom>
-          <a:ln w="38100">
-            <a:solidFill>
-              <a:schemeClr val="tx1"/>
-            </a:solidFill>
-          </a:ln>
-        </p:spPr>
-        <p:style>
-          <a:lnRef idx="2">
-            <a:schemeClr val="accent1"/>
-          </a:lnRef>
-          <a:fillRef idx="0">
-            <a:schemeClr val="accent1"/>
-          </a:fillRef>
-          <a:effectRef idx="1">
-            <a:schemeClr val="accent1"/>
-          </a:effectRef>
-          <a:fontRef idx="minor">
-            <a:schemeClr val="tx1"/>
-          </a:fontRef>
-        </p:style>
-      </p:cxnSp>
-      <p:cxnSp>
-        <p:nvCxnSpPr>
-          <p:cNvPr id="71" name="Conector reto 70">
-            <a:extLst>
-              <a:ext uri="{FF2B5EF4-FFF2-40B4-BE49-F238E27FC236}">
-                <a16:creationId xmlns:a16="http://schemas.microsoft.com/office/drawing/2014/main" id="{60F220AE-A8D1-9F80-EACC-7E9BB57303E8}"/>
-              </a:ext>
-            </a:extLst>
-          </p:cNvPr>
-          <p:cNvCxnSpPr>
-            <a:cxnSpLocks/>
-          </p:cNvCxnSpPr>
-          <p:nvPr/>
-        </p:nvCxnSpPr>
-        <p:spPr>
-          <a:xfrm>
-            <a:off x="6984810" y="1397541"/>
-            <a:ext cx="0" cy="1313075"/>
-          </a:xfrm>
-          <a:prstGeom prst="line">
-            <a:avLst/>
-          </a:prstGeom>
-          <a:ln w="38100">
-            <a:solidFill>
-              <a:schemeClr val="tx1"/>
-            </a:solidFill>
-          </a:ln>
-        </p:spPr>
-        <p:style>
-          <a:lnRef idx="2">
-            <a:schemeClr val="accent1"/>
-          </a:lnRef>
-          <a:fillRef idx="0">
-            <a:schemeClr val="accent1"/>
-          </a:fillRef>
-          <a:effectRef idx="1">
-            <a:schemeClr val="accent1"/>
-          </a:effectRef>
-          <a:fontRef idx="minor">
-            <a:schemeClr val="tx1"/>
-          </a:fontRef>
-        </p:style>
-      </p:cxnSp>
-      <p:cxnSp>
-        <p:nvCxnSpPr>
           <p:cNvPr id="73" name="Conector reto 72">
             <a:extLst>
               <a:ext uri="{FF2B5EF4-FFF2-40B4-BE49-F238E27FC236}">
@@ -6220,8 +6134,8 @@
         </p:nvSpPr>
         <p:spPr>
           <a:xfrm>
-            <a:off x="5265013" y="678495"/>
-            <a:ext cx="2384322" cy="719046"/>
+            <a:off x="5136181" y="678436"/>
+            <a:ext cx="2506977" cy="719046"/>
           </a:xfrm>
           <a:prstGeom prst="rect">
             <a:avLst/>
@@ -6350,7 +6264,7 @@
         </p:nvSpPr>
         <p:spPr>
           <a:xfrm>
-            <a:off x="5417656" y="1125886"/>
+            <a:off x="5386124" y="1125886"/>
             <a:ext cx="235974" cy="221226"/>
           </a:xfrm>
           <a:prstGeom prst="ellipse">
@@ -6497,7 +6411,7 @@
         </p:nvSpPr>
         <p:spPr>
           <a:xfrm>
-            <a:off x="5630756" y="1069986"/>
+            <a:off x="4388379" y="2630988"/>
             <a:ext cx="2181756" cy="369332"/>
           </a:xfrm>
           <a:prstGeom prst="rect">
@@ -7113,6 +7027,114 @@
         <p:spPr>
           <a:xfrm>
             <a:off x="4152405" y="3174909"/>
+            <a:ext cx="235974" cy="221226"/>
+          </a:xfrm>
+          <a:prstGeom prst="ellipse">
+            <a:avLst/>
+          </a:prstGeom>
+          <a:noFill/>
+          <a:ln>
+            <a:solidFill>
+              <a:schemeClr val="tx1"/>
+            </a:solidFill>
+          </a:ln>
+        </p:spPr>
+        <p:style>
+          <a:lnRef idx="2">
+            <a:schemeClr val="accent1">
+              <a:shade val="15000"/>
+            </a:schemeClr>
+          </a:lnRef>
+          <a:fillRef idx="1">
+            <a:schemeClr val="accent1"/>
+          </a:fillRef>
+          <a:effectRef idx="0">
+            <a:schemeClr val="accent1"/>
+          </a:effectRef>
+          <a:fontRef idx="minor">
+            <a:schemeClr val="lt1"/>
+          </a:fontRef>
+        </p:style>
+        <p:txBody>
+          <a:bodyPr rtlCol="0" anchor="ctr"/>
+          <a:lstStyle/>
+          <a:p>
+            <a:pPr algn="ctr"/>
+            <a:endParaRPr lang="pt-BR"/>
+          </a:p>
+        </p:txBody>
+      </p:sp>
+      <p:sp>
+        <p:nvSpPr>
+          <p:cNvPr id="38" name="Seta: Dobrada para Cima 37">
+            <a:extLst>
+              <a:ext uri="{FF2B5EF4-FFF2-40B4-BE49-F238E27FC236}">
+                <a16:creationId xmlns:a16="http://schemas.microsoft.com/office/drawing/2014/main" id="{655BFFB1-1C83-A9DA-37EC-341AC5D92ED8}"/>
+              </a:ext>
+            </a:extLst>
+          </p:cNvPr>
+          <p:cNvSpPr/>
+          <p:nvPr/>
+        </p:nvSpPr>
+        <p:spPr>
+          <a:xfrm flipH="1">
+            <a:off x="6903393" y="1453542"/>
+            <a:ext cx="599173" cy="1366442"/>
+          </a:xfrm>
+          <a:prstGeom prst="bentUpArrow">
+            <a:avLst>
+              <a:gd name="adj1" fmla="val 31012"/>
+              <a:gd name="adj2" fmla="val 25000"/>
+              <a:gd name="adj3" fmla="val 25000"/>
+            </a:avLst>
+          </a:prstGeom>
+          <a:noFill/>
+          <a:ln w="25400">
+            <a:solidFill>
+              <a:schemeClr val="tx1"/>
+            </a:solidFill>
+          </a:ln>
+        </p:spPr>
+        <p:style>
+          <a:lnRef idx="2">
+            <a:schemeClr val="accent1">
+              <a:shade val="15000"/>
+            </a:schemeClr>
+          </a:lnRef>
+          <a:fillRef idx="1">
+            <a:schemeClr val="accent1"/>
+          </a:fillRef>
+          <a:effectRef idx="0">
+            <a:schemeClr val="accent1"/>
+          </a:effectRef>
+          <a:fontRef idx="minor">
+            <a:schemeClr val="lt1"/>
+          </a:fontRef>
+        </p:style>
+        <p:txBody>
+          <a:bodyPr rtlCol="0" anchor="ctr"/>
+          <a:lstStyle/>
+          <a:p>
+            <a:pPr algn="ctr"/>
+            <a:endParaRPr lang="pt-BR"/>
+          </a:p>
+        </p:txBody>
+      </p:sp>
+      <p:sp>
+        <p:nvSpPr>
+          <p:cNvPr id="51" name="Elipse 50">
+            <a:extLst>
+              <a:ext uri="{FF2B5EF4-FFF2-40B4-BE49-F238E27FC236}">
+                <a16:creationId xmlns:a16="http://schemas.microsoft.com/office/drawing/2014/main" id="{58061C13-E63A-14FB-4605-A87CB16E34CA}"/>
+              </a:ext>
+            </a:extLst>
+          </p:cNvPr>
+          <p:cNvSpPr/>
+          <p:nvPr/>
+        </p:nvSpPr>
+        <p:spPr>
+          <a:xfrm>
+            <a:off x="6904298" y="1119956"/>
             <a:ext cx="235974" cy="221226"/>
           </a:xfrm>
           <a:prstGeom prst="ellipse">

--- a/Diagramas/diagrama2.pptx
+++ b/Diagramas/diagrama2.pptx
@@ -197,7 +197,7 @@
           <a:p>
             <a:fld id="{8584C277-B865-4BF4-927E-0729B9152B92}" type="datetimeFigureOut">
               <a:rPr lang="pt-BR" smtClean="0"/>
-              <a:t>07/08/2024</a:t>
+              <a:t>09/08/2024</a:t>
             </a:fld>
             <a:endParaRPr lang="pt-BR"/>
           </a:p>
@@ -695,7 +695,7 @@
           <a:p>
             <a:fld id="{C2FDB46F-F830-473B-9701-194C22094723}" type="datetimeFigureOut">
               <a:rPr lang="pt-BR" smtClean="0"/>
-              <a:t>07/08/2024</a:t>
+              <a:t>09/08/2024</a:t>
             </a:fld>
             <a:endParaRPr lang="pt-BR"/>
           </a:p>
@@ -893,7 +893,7 @@
           <a:p>
             <a:fld id="{C2FDB46F-F830-473B-9701-194C22094723}" type="datetimeFigureOut">
               <a:rPr lang="pt-BR" smtClean="0"/>
-              <a:t>07/08/2024</a:t>
+              <a:t>09/08/2024</a:t>
             </a:fld>
             <a:endParaRPr lang="pt-BR"/>
           </a:p>
@@ -1101,7 +1101,7 @@
           <a:p>
             <a:fld id="{C2FDB46F-F830-473B-9701-194C22094723}" type="datetimeFigureOut">
               <a:rPr lang="pt-BR" smtClean="0"/>
-              <a:t>07/08/2024</a:t>
+              <a:t>09/08/2024</a:t>
             </a:fld>
             <a:endParaRPr lang="pt-BR"/>
           </a:p>
@@ -1299,7 +1299,7 @@
           <a:p>
             <a:fld id="{C2FDB46F-F830-473B-9701-194C22094723}" type="datetimeFigureOut">
               <a:rPr lang="pt-BR" smtClean="0"/>
-              <a:t>07/08/2024</a:t>
+              <a:t>09/08/2024</a:t>
             </a:fld>
             <a:endParaRPr lang="pt-BR"/>
           </a:p>
@@ -1574,7 +1574,7 @@
           <a:p>
             <a:fld id="{C2FDB46F-F830-473B-9701-194C22094723}" type="datetimeFigureOut">
               <a:rPr lang="pt-BR" smtClean="0"/>
-              <a:t>07/08/2024</a:t>
+              <a:t>09/08/2024</a:t>
             </a:fld>
             <a:endParaRPr lang="pt-BR"/>
           </a:p>
@@ -1839,7 +1839,7 @@
           <a:p>
             <a:fld id="{C2FDB46F-F830-473B-9701-194C22094723}" type="datetimeFigureOut">
               <a:rPr lang="pt-BR" smtClean="0"/>
-              <a:t>07/08/2024</a:t>
+              <a:t>09/08/2024</a:t>
             </a:fld>
             <a:endParaRPr lang="pt-BR"/>
           </a:p>
@@ -2251,7 +2251,7 @@
           <a:p>
             <a:fld id="{C2FDB46F-F830-473B-9701-194C22094723}" type="datetimeFigureOut">
               <a:rPr lang="pt-BR" smtClean="0"/>
-              <a:t>07/08/2024</a:t>
+              <a:t>09/08/2024</a:t>
             </a:fld>
             <a:endParaRPr lang="pt-BR"/>
           </a:p>
@@ -2392,7 +2392,7 @@
           <a:p>
             <a:fld id="{C2FDB46F-F830-473B-9701-194C22094723}" type="datetimeFigureOut">
               <a:rPr lang="pt-BR" smtClean="0"/>
-              <a:t>07/08/2024</a:t>
+              <a:t>09/08/2024</a:t>
             </a:fld>
             <a:endParaRPr lang="pt-BR"/>
           </a:p>
@@ -2505,7 +2505,7 @@
           <a:p>
             <a:fld id="{C2FDB46F-F830-473B-9701-194C22094723}" type="datetimeFigureOut">
               <a:rPr lang="pt-BR" smtClean="0"/>
-              <a:t>07/08/2024</a:t>
+              <a:t>09/08/2024</a:t>
             </a:fld>
             <a:endParaRPr lang="pt-BR"/>
           </a:p>
@@ -2816,7 +2816,7 @@
           <a:p>
             <a:fld id="{C2FDB46F-F830-473B-9701-194C22094723}" type="datetimeFigureOut">
               <a:rPr lang="pt-BR" smtClean="0"/>
-              <a:t>07/08/2024</a:t>
+              <a:t>09/08/2024</a:t>
             </a:fld>
             <a:endParaRPr lang="pt-BR"/>
           </a:p>
@@ -3104,7 +3104,7 @@
           <a:p>
             <a:fld id="{C2FDB46F-F830-473B-9701-194C22094723}" type="datetimeFigureOut">
               <a:rPr lang="pt-BR" smtClean="0"/>
-              <a:t>07/08/2024</a:t>
+              <a:t>09/08/2024</a:t>
             </a:fld>
             <a:endParaRPr lang="pt-BR"/>
           </a:p>
@@ -3345,7 +3345,7 @@
           <a:p>
             <a:fld id="{C2FDB46F-F830-473B-9701-194C22094723}" type="datetimeFigureOut">
               <a:rPr lang="pt-BR" smtClean="0"/>
-              <a:t>07/08/2024</a:t>
+              <a:t>09/08/2024</a:t>
             </a:fld>
             <a:endParaRPr lang="pt-BR"/>
           </a:p>
@@ -4994,8 +4994,8 @@
         </p:nvSpPr>
         <p:spPr>
           <a:xfrm>
-            <a:off x="8908388" y="4993834"/>
-            <a:ext cx="628698" cy="400110"/>
+            <a:off x="8799666" y="4993834"/>
+            <a:ext cx="779381" cy="400110"/>
           </a:xfrm>
           <a:prstGeom prst="rect">
             <a:avLst/>
@@ -5010,7 +5010,7 @@
           <a:p>
             <a:r>
               <a:rPr lang="pt-BR" sz="2000" b="1" dirty="0"/>
-              <a:t>RX I</a:t>
+              <a:t>RX (I)</a:t>
             </a:r>
           </a:p>
         </p:txBody>
@@ -5029,8 +5029,8 @@
         </p:nvSpPr>
         <p:spPr>
           <a:xfrm>
-            <a:off x="8828436" y="5338650"/>
-            <a:ext cx="742511" cy="400110"/>
+            <a:off x="8735507" y="5323199"/>
+            <a:ext cx="893193" cy="400110"/>
           </a:xfrm>
           <a:prstGeom prst="rect">
             <a:avLst/>
@@ -5045,7 +5045,7 @@
           <a:p>
             <a:r>
               <a:rPr lang="pt-BR" sz="2000" b="1" dirty="0"/>
-              <a:t>RX Q</a:t>
+              <a:t>RX (Q)</a:t>
             </a:r>
           </a:p>
         </p:txBody>
@@ -5064,8 +5064,8 @@
         </p:nvSpPr>
         <p:spPr>
           <a:xfrm>
-            <a:off x="8940448" y="5726871"/>
-            <a:ext cx="596638" cy="400110"/>
+            <a:off x="8875776" y="5743271"/>
+            <a:ext cx="747320" cy="400110"/>
           </a:xfrm>
           <a:prstGeom prst="rect">
             <a:avLst/>
@@ -5080,7 +5080,7 @@
           <a:p>
             <a:r>
               <a:rPr lang="pt-BR" sz="2000" b="1" dirty="0"/>
-              <a:t>TX I</a:t>
+              <a:t>TX (I)</a:t>
             </a:r>
           </a:p>
         </p:txBody>
@@ -5099,8 +5099,8 @@
         </p:nvSpPr>
         <p:spPr>
           <a:xfrm>
-            <a:off x="8883541" y="6127408"/>
-            <a:ext cx="710451" cy="400110"/>
+            <a:off x="8766237" y="6127408"/>
+            <a:ext cx="861133" cy="400110"/>
           </a:xfrm>
           <a:prstGeom prst="rect">
             <a:avLst/>
@@ -5115,7 +5115,7 @@
           <a:p>
             <a:r>
               <a:rPr lang="pt-BR" sz="2000" b="1" dirty="0"/>
-              <a:t>TX Q</a:t>
+              <a:t>TX (Q)</a:t>
             </a:r>
           </a:p>
         </p:txBody>
@@ -5342,8 +5342,8 @@
         </p:nvSpPr>
         <p:spPr>
           <a:xfrm>
-            <a:off x="8972219" y="2429225"/>
-            <a:ext cx="628698" cy="400110"/>
+            <a:off x="8905892" y="2429225"/>
+            <a:ext cx="726481" cy="400110"/>
           </a:xfrm>
           <a:prstGeom prst="rect">
             <a:avLst/>
@@ -5358,7 +5358,7 @@
           <a:p>
             <a:r>
               <a:rPr lang="pt-BR" sz="2000" b="1" dirty="0"/>
-              <a:t>RX I</a:t>
+              <a:t>RX(I)</a:t>
             </a:r>
           </a:p>
         </p:txBody>
@@ -5377,8 +5377,8 @@
         </p:nvSpPr>
         <p:spPr>
           <a:xfrm>
-            <a:off x="8892267" y="2774041"/>
-            <a:ext cx="742511" cy="400110"/>
+            <a:off x="8842223" y="2774230"/>
+            <a:ext cx="840295" cy="400110"/>
           </a:xfrm>
           <a:prstGeom prst="rect">
             <a:avLst/>
@@ -5393,7 +5393,7 @@
           <a:p>
             <a:r>
               <a:rPr lang="pt-BR" sz="2000" b="1" dirty="0"/>
-              <a:t>RX Q</a:t>
+              <a:t>RX(Q)</a:t>
             </a:r>
           </a:p>
         </p:txBody>
@@ -5412,8 +5412,8 @@
         </p:nvSpPr>
         <p:spPr>
           <a:xfrm>
-            <a:off x="9004279" y="3162262"/>
-            <a:ext cx="596638" cy="400110"/>
+            <a:off x="8954163" y="3148137"/>
+            <a:ext cx="694421" cy="400110"/>
           </a:xfrm>
           <a:prstGeom prst="rect">
             <a:avLst/>
@@ -5428,7 +5428,7 @@
           <a:p>
             <a:r>
               <a:rPr lang="pt-BR" sz="2000" b="1" dirty="0"/>
-              <a:t>TX I</a:t>
+              <a:t>TX(I)</a:t>
             </a:r>
           </a:p>
         </p:txBody>
@@ -5447,8 +5447,8 @@
         </p:nvSpPr>
         <p:spPr>
           <a:xfrm>
-            <a:off x="8947372" y="3562799"/>
-            <a:ext cx="710451" cy="400110"/>
+            <a:off x="8890160" y="3531502"/>
+            <a:ext cx="808235" cy="400110"/>
           </a:xfrm>
           <a:prstGeom prst="rect">
             <a:avLst/>
@@ -5463,7 +5463,7 @@
           <a:p>
             <a:r>
               <a:rPr lang="pt-BR" sz="2000" b="1" dirty="0"/>
-              <a:t>TX Q</a:t>
+              <a:t>TX(Q)</a:t>
             </a:r>
           </a:p>
         </p:txBody>
@@ -5677,8 +5677,8 @@
         </p:nvSpPr>
         <p:spPr>
           <a:xfrm>
-            <a:off x="4174885" y="3112636"/>
-            <a:ext cx="1471044" cy="707886"/>
+            <a:off x="4396050" y="3207693"/>
+            <a:ext cx="922560" cy="400110"/>
           </a:xfrm>
           <a:prstGeom prst="rect">
             <a:avLst/>
@@ -5693,13 +5693,7 @@
           <a:p>
             <a:r>
               <a:rPr lang="pt-BR" sz="2000" b="1" dirty="0"/>
-              <a:t>       LO em</a:t>
-            </a:r>
-          </a:p>
-          <a:p>
-            <a:r>
-              <a:rPr lang="pt-BR" sz="2000" b="1" dirty="0"/>
-              <a:t>quadratura</a:t>
+              <a:t>       LO </a:t>
             </a:r>
           </a:p>
         </p:txBody>
@@ -5774,7 +5768,7 @@
         </p:nvSpPr>
         <p:spPr>
           <a:xfrm>
-            <a:off x="8084158" y="5145975"/>
+            <a:off x="7958507" y="5145975"/>
             <a:ext cx="800219" cy="400110"/>
           </a:xfrm>
           <a:prstGeom prst="rect">
@@ -5809,7 +5803,7 @@
         </p:nvSpPr>
         <p:spPr>
           <a:xfrm>
-            <a:off x="8027095" y="5888363"/>
+            <a:off x="7886864" y="5968085"/>
             <a:ext cx="1005403" cy="400110"/>
           </a:xfrm>
           <a:prstGeom prst="rect">
@@ -5891,7 +5885,7 @@
         </p:nvSpPr>
         <p:spPr>
           <a:xfrm>
-            <a:off x="5126375" y="3741683"/>
+            <a:off x="4811682" y="3785780"/>
             <a:ext cx="235974" cy="221226"/>
           </a:xfrm>
           <a:prstGeom prst="ellipse">
@@ -5995,8 +5989,8 @@
         </p:nvSpPr>
         <p:spPr>
           <a:xfrm>
-            <a:off x="5136181" y="4003732"/>
-            <a:ext cx="3772208" cy="727146"/>
+            <a:off x="4865158" y="4005081"/>
+            <a:ext cx="4043231" cy="725797"/>
           </a:xfrm>
           <a:prstGeom prst="curvedUpArrow">
             <a:avLst/>
@@ -6992,7 +6986,7 @@
         <p:spPr>
           <a:xfrm>
             <a:off x="3164868" y="3409086"/>
-            <a:ext cx="756938" cy="400110"/>
+            <a:ext cx="622863" cy="400110"/>
           </a:xfrm>
           <a:prstGeom prst="rect">
             <a:avLst/>
@@ -7007,7 +7001,7 @@
           <a:p>
             <a:r>
               <a:rPr lang="pt-BR" sz="2000" b="1" dirty="0"/>
-              <a:t>CMD</a:t>
+              <a:t>CTL</a:t>
             </a:r>
           </a:p>
         </p:txBody>
@@ -7169,6 +7163,174 @@
           <a:p>
             <a:pPr algn="ctr"/>
             <a:endParaRPr lang="pt-BR"/>
+          </a:p>
+        </p:txBody>
+      </p:sp>
+      <p:sp>
+        <p:nvSpPr>
+          <p:cNvPr id="52" name="Chave Esquerda 51">
+            <a:extLst>
+              <a:ext uri="{FF2B5EF4-FFF2-40B4-BE49-F238E27FC236}">
+                <a16:creationId xmlns:a16="http://schemas.microsoft.com/office/drawing/2014/main" id="{40156C3D-02A6-6E76-5CBF-0877DC063389}"/>
+              </a:ext>
+            </a:extLst>
+          </p:cNvPr>
+          <p:cNvSpPr/>
+          <p:nvPr/>
+        </p:nvSpPr>
+        <p:spPr>
+          <a:xfrm>
+            <a:off x="5310996" y="3102205"/>
+            <a:ext cx="244949" cy="573704"/>
+          </a:xfrm>
+          <a:prstGeom prst="leftBrace">
+            <a:avLst/>
+          </a:prstGeom>
+          <a:ln w="25400">
+            <a:solidFill>
+              <a:schemeClr val="tx1"/>
+            </a:solidFill>
+          </a:ln>
+        </p:spPr>
+        <p:style>
+          <a:lnRef idx="2">
+            <a:schemeClr val="accent1"/>
+          </a:lnRef>
+          <a:fillRef idx="0">
+            <a:schemeClr val="accent1"/>
+          </a:fillRef>
+          <a:effectRef idx="1">
+            <a:schemeClr val="accent1"/>
+          </a:effectRef>
+          <a:fontRef idx="minor">
+            <a:schemeClr val="tx1"/>
+          </a:fontRef>
+        </p:style>
+        <p:txBody>
+          <a:bodyPr rtlCol="0" anchor="ctr"/>
+          <a:lstStyle/>
+          <a:p>
+            <a:pPr algn="ctr"/>
+            <a:endParaRPr lang="pt-BR"/>
+          </a:p>
+        </p:txBody>
+      </p:sp>
+      <p:sp>
+        <p:nvSpPr>
+          <p:cNvPr id="53" name="CaixaDeTexto 52">
+            <a:extLst>
+              <a:ext uri="{FF2B5EF4-FFF2-40B4-BE49-F238E27FC236}">
+                <a16:creationId xmlns:a16="http://schemas.microsoft.com/office/drawing/2014/main" id="{98E70995-2C2F-6839-1F9F-A4EE30C9C79B}"/>
+              </a:ext>
+            </a:extLst>
+          </p:cNvPr>
+          <p:cNvSpPr txBox="1"/>
+          <p:nvPr/>
+        </p:nvSpPr>
+        <p:spPr>
+          <a:xfrm>
+            <a:off x="4249475" y="3689142"/>
+            <a:ext cx="597471" cy="400110"/>
+          </a:xfrm>
+          <a:prstGeom prst="rect">
+            <a:avLst/>
+          </a:prstGeom>
+          <a:noFill/>
+        </p:spPr>
+        <p:txBody>
+          <a:bodyPr wrap="none" rtlCol="0">
+            <a:spAutoFit/>
+          </a:bodyPr>
+          <a:lstStyle/>
+          <a:p>
+            <a:r>
+              <a:rPr lang="pt-BR" sz="2000" b="1" dirty="0"/>
+              <a:t>PTT</a:t>
+            </a:r>
+          </a:p>
+        </p:txBody>
+      </p:sp>
+      <p:sp>
+        <p:nvSpPr>
+          <p:cNvPr id="56" name="CaixaDeTexto 55">
+            <a:extLst>
+              <a:ext uri="{FF2B5EF4-FFF2-40B4-BE49-F238E27FC236}">
+                <a16:creationId xmlns:a16="http://schemas.microsoft.com/office/drawing/2014/main" id="{67A8BF5D-A77B-26EF-19CA-F82E8E041910}"/>
+              </a:ext>
+            </a:extLst>
+          </p:cNvPr>
+          <p:cNvSpPr txBox="1"/>
+          <p:nvPr/>
+        </p:nvSpPr>
+        <p:spPr>
+          <a:xfrm>
+            <a:off x="738566" y="823221"/>
+            <a:ext cx="4467826" cy="400110"/>
+          </a:xfrm>
+          <a:prstGeom prst="rect">
+            <a:avLst/>
+          </a:prstGeom>
+          <a:noFill/>
+        </p:spPr>
+        <p:txBody>
+          <a:bodyPr wrap="none" rtlCol="0">
+            <a:spAutoFit/>
+          </a:bodyPr>
+          <a:lstStyle/>
+          <a:p>
+            <a:r>
+              <a:rPr lang="pt-BR" sz="2000" b="1" dirty="0"/>
+              <a:t>CTL</a:t>
+            </a:r>
+            <a:r>
+              <a:rPr lang="pt-BR" sz="2000" b="1" dirty="0">
+                <a:sym typeface="Wingdings" panose="05000000000000000000" pitchFamily="2" charset="2"/>
+              </a:rPr>
+              <a:t> VFO Recebe ou Envia controle </a:t>
+            </a:r>
+            <a:endParaRPr lang="pt-BR" sz="2000" b="1" dirty="0"/>
+          </a:p>
+        </p:txBody>
+      </p:sp>
+      <p:sp>
+        <p:nvSpPr>
+          <p:cNvPr id="57" name="CaixaDeTexto 56">
+            <a:extLst>
+              <a:ext uri="{FF2B5EF4-FFF2-40B4-BE49-F238E27FC236}">
+                <a16:creationId xmlns:a16="http://schemas.microsoft.com/office/drawing/2014/main" id="{3AD5B98E-B142-9FE7-696F-1E53B96B77A0}"/>
+              </a:ext>
+            </a:extLst>
+          </p:cNvPr>
+          <p:cNvSpPr txBox="1"/>
+          <p:nvPr/>
+        </p:nvSpPr>
+        <p:spPr>
+          <a:xfrm>
+            <a:off x="765604" y="1263609"/>
+            <a:ext cx="3518143" cy="400110"/>
+          </a:xfrm>
+          <a:prstGeom prst="rect">
+            <a:avLst/>
+          </a:prstGeom>
+          <a:noFill/>
+        </p:spPr>
+        <p:txBody>
+          <a:bodyPr wrap="none" rtlCol="0">
+            <a:spAutoFit/>
+          </a:bodyPr>
+          <a:lstStyle/>
+          <a:p>
+            <a:r>
+              <a:rPr lang="pt-BR" sz="2000" b="1" dirty="0"/>
+              <a:t>LO</a:t>
+            </a:r>
+            <a:r>
+              <a:rPr lang="pt-BR" sz="2000" b="1" dirty="0">
+                <a:sym typeface="Wingdings" panose="05000000000000000000" pitchFamily="2" charset="2"/>
+              </a:rPr>
+              <a:t> Frequência de TX ou RX</a:t>
+            </a:r>
+            <a:endParaRPr lang="pt-BR" sz="2000" b="1" dirty="0"/>
           </a:p>
         </p:txBody>
       </p:sp>

--- a/Diagramas/diagrama2.pptx
+++ b/Diagramas/diagrama2.pptx
@@ -4751,7 +4751,7 @@
         </p:nvSpPr>
         <p:spPr>
           <a:xfrm>
-            <a:off x="4527015" y="5211104"/>
+            <a:off x="4465464" y="5257931"/>
             <a:ext cx="1402948" cy="400110"/>
           </a:xfrm>
           <a:prstGeom prst="rect">
@@ -5677,8 +5677,8 @@
         </p:nvSpPr>
         <p:spPr>
           <a:xfrm>
-            <a:off x="4396050" y="3207693"/>
-            <a:ext cx="922560" cy="400110"/>
+            <a:off x="4736839" y="3207208"/>
+            <a:ext cx="623007" cy="400110"/>
           </a:xfrm>
           <a:prstGeom prst="rect">
             <a:avLst/>
@@ -5686,14 +5686,14 @@
           <a:noFill/>
         </p:spPr>
         <p:txBody>
-          <a:bodyPr wrap="none" rtlCol="0">
+          <a:bodyPr wrap="square" rtlCol="0">
             <a:spAutoFit/>
           </a:bodyPr>
           <a:lstStyle/>
           <a:p>
             <a:r>
               <a:rPr lang="pt-BR" sz="2000" b="1" dirty="0"/>
-              <a:t>       LO </a:t>
+              <a:t>  LO  </a:t>
             </a:r>
           </a:p>
         </p:txBody>
@@ -7264,8 +7264,8 @@
         </p:nvSpPr>
         <p:spPr>
           <a:xfrm>
-            <a:off x="738566" y="823221"/>
-            <a:ext cx="4467826" cy="400110"/>
+            <a:off x="792852" y="222276"/>
+            <a:ext cx="3433569" cy="707886"/>
           </a:xfrm>
           <a:prstGeom prst="rect">
             <a:avLst/>
@@ -7286,7 +7286,15 @@
               <a:rPr lang="pt-BR" sz="2000" b="1" dirty="0">
                 <a:sym typeface="Wingdings" panose="05000000000000000000" pitchFamily="2" charset="2"/>
               </a:rPr>
-              <a:t> VFO Recebe ou Envia controle </a:t>
+              <a:t> VFO Recebe ou Envia </a:t>
+            </a:r>
+          </a:p>
+          <a:p>
+            <a:r>
+              <a:rPr lang="pt-BR" sz="2000" b="1" dirty="0">
+                <a:sym typeface="Wingdings" panose="05000000000000000000" pitchFamily="2" charset="2"/>
+              </a:rPr>
+              <a:t>controle para o HDSDR </a:t>
             </a:r>
             <a:endParaRPr lang="pt-BR" sz="2000" b="1" dirty="0"/>
           </a:p>
@@ -7306,8 +7314,8 @@
         </p:nvSpPr>
         <p:spPr>
           <a:xfrm>
-            <a:off x="765604" y="1263609"/>
-            <a:ext cx="3518143" cy="400110"/>
+            <a:off x="812528" y="1121040"/>
+            <a:ext cx="3797450" cy="707886"/>
           </a:xfrm>
           <a:prstGeom prst="rect">
             <a:avLst/>
@@ -7328,7 +7336,15 @@
               <a:rPr lang="pt-BR" sz="2000" b="1" dirty="0">
                 <a:sym typeface="Wingdings" panose="05000000000000000000" pitchFamily="2" charset="2"/>
               </a:rPr>
-              <a:t> Frequência de TX ou RX</a:t>
+              <a:t> Frequência para TX ou  RX</a:t>
+            </a:r>
+          </a:p>
+          <a:p>
+            <a:r>
+              <a:rPr lang="pt-BR" sz="2000" b="1" dirty="0">
+                <a:sym typeface="Wingdings" panose="05000000000000000000" pitchFamily="2" charset="2"/>
+              </a:rPr>
+              <a:t>em quadratura</a:t>
             </a:r>
             <a:endParaRPr lang="pt-BR" sz="2000" b="1" dirty="0"/>
           </a:p>
